--- a/Presentation.pptx
+++ b/Presentation.pptx
@@ -14,14 +14,17 @@
     <p:sldId id="262" r:id="rId8"/>
     <p:sldId id="270" r:id="rId9"/>
     <p:sldId id="271" r:id="rId10"/>
-    <p:sldId id="263" r:id="rId11"/>
-    <p:sldId id="264" r:id="rId12"/>
-    <p:sldId id="272" r:id="rId13"/>
-    <p:sldId id="265" r:id="rId14"/>
-    <p:sldId id="266" r:id="rId15"/>
-    <p:sldId id="268" r:id="rId16"/>
-    <p:sldId id="267" r:id="rId17"/>
-    <p:sldId id="269" r:id="rId18"/>
+    <p:sldId id="267" r:id="rId11"/>
+    <p:sldId id="273" r:id="rId12"/>
+    <p:sldId id="263" r:id="rId13"/>
+    <p:sldId id="264" r:id="rId14"/>
+    <p:sldId id="274" r:id="rId15"/>
+    <p:sldId id="265" r:id="rId16"/>
+    <p:sldId id="272" r:id="rId17"/>
+    <p:sldId id="266" r:id="rId18"/>
+    <p:sldId id="268" r:id="rId19"/>
+    <p:sldId id="269" r:id="rId20"/>
+    <p:sldId id="275" r:id="rId21"/>
   </p:sldIdLst>
   <p:sldSz cx="12192000" cy="6858000"/>
   <p:notesSz cx="6858000" cy="9144000"/>
@@ -1135,7 +1138,7 @@
             <a:fld id="{B61BEF0D-F0BB-DE4B-95CE-6DB70DBA9567}" type="datetimeFigureOut">
               <a:rPr lang="en-US" dirty="0"/>
               <a:pPr/>
-              <a:t>11/6/19</a:t>
+              <a:t>11/15/19</a:t>
             </a:fld>
             <a:endParaRPr lang="en-US" dirty="0"/>
           </a:p>
@@ -1387,7 +1390,7 @@
             <a:fld id="{B61BEF0D-F0BB-DE4B-95CE-6DB70DBA9567}" type="datetimeFigureOut">
               <a:rPr lang="en-US" dirty="0"/>
               <a:pPr/>
-              <a:t>11/6/19</a:t>
+              <a:t>11/15/19</a:t>
             </a:fld>
             <a:endParaRPr lang="en-US" dirty="0"/>
           </a:p>
@@ -1702,7 +1705,7 @@
             <a:fld id="{B61BEF0D-F0BB-DE4B-95CE-6DB70DBA9567}" type="datetimeFigureOut">
               <a:rPr lang="en-US" dirty="0"/>
               <a:pPr/>
-              <a:t>11/6/19</a:t>
+              <a:t>11/15/19</a:t>
             </a:fld>
             <a:endParaRPr lang="en-US" dirty="0"/>
           </a:p>
@@ -2036,7 +2039,7 @@
             <a:fld id="{B61BEF0D-F0BB-DE4B-95CE-6DB70DBA9567}" type="datetimeFigureOut">
               <a:rPr lang="en-US" dirty="0"/>
               <a:pPr/>
-              <a:t>11/6/19</a:t>
+              <a:t>11/15/19</a:t>
             </a:fld>
             <a:endParaRPr lang="en-US" dirty="0"/>
           </a:p>
@@ -2351,7 +2354,7 @@
             <a:fld id="{B61BEF0D-F0BB-DE4B-95CE-6DB70DBA9567}" type="datetimeFigureOut">
               <a:rPr lang="en-US" dirty="0"/>
               <a:pPr/>
-              <a:t>11/6/19</a:t>
+              <a:t>11/15/19</a:t>
             </a:fld>
             <a:endParaRPr lang="en-US" dirty="0"/>
           </a:p>
@@ -2745,7 +2748,7 @@
             <a:fld id="{B61BEF0D-F0BB-DE4B-95CE-6DB70DBA9567}" type="datetimeFigureOut">
               <a:rPr lang="en-US" dirty="0"/>
               <a:pPr/>
-              <a:t>11/6/19</a:t>
+              <a:t>11/15/19</a:t>
             </a:fld>
             <a:endParaRPr lang="en-US" dirty="0"/>
           </a:p>
@@ -2914,7 +2917,7 @@
           <a:p>
             <a:fld id="{55C6B4A9-1611-4792-9094-5F34BCA07E0B}" type="datetimeFigureOut">
               <a:rPr lang="en-US" dirty="0"/>
-              <a:t>11/6/19</a:t>
+              <a:t>11/15/19</a:t>
             </a:fld>
             <a:endParaRPr lang="en-US" dirty="0"/>
           </a:p>
@@ -3093,7 +3096,7 @@
             <a:fld id="{B61BEF0D-F0BB-DE4B-95CE-6DB70DBA9567}" type="datetimeFigureOut">
               <a:rPr lang="en-US" dirty="0"/>
               <a:pPr/>
-              <a:t>11/6/19</a:t>
+              <a:t>11/15/19</a:t>
             </a:fld>
             <a:endParaRPr lang="en-US" dirty="0"/>
           </a:p>
@@ -3262,7 +3265,7 @@
           <a:p>
             <a:fld id="{42A54C80-263E-416B-A8E0-580EDEADCBDC}" type="datetimeFigureOut">
               <a:rPr lang="en-US" dirty="0"/>
-              <a:t>11/6/19</a:t>
+              <a:t>11/15/19</a:t>
             </a:fld>
             <a:endParaRPr lang="en-US" dirty="0"/>
           </a:p>
@@ -3509,7 +3512,7 @@
             <a:fld id="{B61BEF0D-F0BB-DE4B-95CE-6DB70DBA9567}" type="datetimeFigureOut">
               <a:rPr lang="en-US" dirty="0"/>
               <a:pPr/>
-              <a:t>11/6/19</a:t>
+              <a:t>11/15/19</a:t>
             </a:fld>
             <a:endParaRPr lang="en-US" dirty="0"/>
           </a:p>
@@ -3739,7 +3742,7 @@
           <a:p>
             <a:fld id="{42A54C80-263E-416B-A8E0-580EDEADCBDC}" type="datetimeFigureOut">
               <a:rPr lang="en-US" dirty="0"/>
-              <a:t>11/6/19</a:t>
+              <a:t>11/15/19</a:t>
             </a:fld>
             <a:endParaRPr lang="en-US" dirty="0"/>
           </a:p>
@@ -4111,7 +4114,7 @@
             <a:fld id="{B61BEF0D-F0BB-DE4B-95CE-6DB70DBA9567}" type="datetimeFigureOut">
               <a:rPr lang="en-US" dirty="0"/>
               <a:pPr/>
-              <a:t>11/6/19</a:t>
+              <a:t>11/15/19</a:t>
             </a:fld>
             <a:endParaRPr lang="en-US" dirty="0"/>
           </a:p>
@@ -4235,7 +4238,7 @@
             <a:fld id="{B61BEF0D-F0BB-DE4B-95CE-6DB70DBA9567}" type="datetimeFigureOut">
               <a:rPr lang="en-US" dirty="0"/>
               <a:pPr/>
-              <a:t>11/6/19</a:t>
+              <a:t>11/15/19</a:t>
             </a:fld>
             <a:endParaRPr lang="en-US" dirty="0"/>
           </a:p>
@@ -4332,7 +4335,7 @@
             <a:fld id="{B61BEF0D-F0BB-DE4B-95CE-6DB70DBA9567}" type="datetimeFigureOut">
               <a:rPr lang="en-US" dirty="0"/>
               <a:pPr/>
-              <a:t>11/6/19</a:t>
+              <a:t>11/15/19</a:t>
             </a:fld>
             <a:endParaRPr lang="en-US" dirty="0"/>
           </a:p>
@@ -4586,7 +4589,7 @@
           <a:p>
             <a:fld id="{42A54C80-263E-416B-A8E0-580EDEADCBDC}" type="datetimeFigureOut">
               <a:rPr lang="en-US" dirty="0"/>
-              <a:t>11/6/19</a:t>
+              <a:t>11/15/19</a:t>
             </a:fld>
             <a:endParaRPr lang="en-US" dirty="0"/>
           </a:p>
@@ -4888,7 +4891,7 @@
             <a:fld id="{B61BEF0D-F0BB-DE4B-95CE-6DB70DBA9567}" type="datetimeFigureOut">
               <a:rPr lang="en-US" dirty="0"/>
               <a:pPr/>
-              <a:t>11/6/19</a:t>
+              <a:t>11/15/19</a:t>
             </a:fld>
             <a:endParaRPr lang="en-US" dirty="0"/>
           </a:p>
@@ -5589,7 +5592,7 @@
             <a:fld id="{B61BEF0D-F0BB-DE4B-95CE-6DB70DBA9567}" type="datetimeFigureOut">
               <a:rPr lang="en-US" dirty="0"/>
               <a:pPr/>
-              <a:t>11/6/19</a:t>
+              <a:t>11/15/19</a:t>
             </a:fld>
             <a:endParaRPr lang="en-US" dirty="0"/>
           </a:p>
@@ -6209,1262 +6212,6 @@
           <a:chExt cx="0" cy="0"/>
         </a:xfrm>
       </p:grpSpPr>
-      <p:sp>
-        <p:nvSpPr>
-          <p:cNvPr id="2" name="Title 1">
-            <a:extLst>
-              <a:ext uri="{FF2B5EF4-FFF2-40B4-BE49-F238E27FC236}">
-                <a16:creationId xmlns:a16="http://schemas.microsoft.com/office/drawing/2014/main" id="{E637CB66-BE43-3E46-BAC0-9FA4AC9B8B74}"/>
-              </a:ext>
-            </a:extLst>
-          </p:cNvPr>
-          <p:cNvSpPr>
-            <a:spLocks noGrp="1"/>
-          </p:cNvSpPr>
-          <p:nvPr>
-            <p:ph type="title"/>
-          </p:nvPr>
-        </p:nvSpPr>
-        <p:spPr/>
-        <p:txBody>
-          <a:bodyPr/>
-          <a:lstStyle/>
-          <a:p>
-            <a:r>
-              <a:rPr lang="de-DE" dirty="0"/>
-              <a:t>Rules design </a:t>
-            </a:r>
-            <a:r>
-              <a:rPr lang="de-DE" dirty="0" err="1"/>
-              <a:t>principles</a:t>
-            </a:r>
-            <a:endParaRPr lang="de-DE" dirty="0"/>
-          </a:p>
-        </p:txBody>
-      </p:sp>
-      <p:sp>
-        <p:nvSpPr>
-          <p:cNvPr id="3" name="Content Placeholder 2">
-            <a:extLst>
-              <a:ext uri="{FF2B5EF4-FFF2-40B4-BE49-F238E27FC236}">
-                <a16:creationId xmlns:a16="http://schemas.microsoft.com/office/drawing/2014/main" id="{3CB21BB8-F805-EE4A-A4CB-9E904FCC667E}"/>
-              </a:ext>
-            </a:extLst>
-          </p:cNvPr>
-          <p:cNvSpPr>
-            <a:spLocks noGrp="1"/>
-          </p:cNvSpPr>
-          <p:nvPr>
-            <p:ph idx="1"/>
-          </p:nvPr>
-        </p:nvSpPr>
-        <p:spPr/>
-        <p:txBody>
-          <a:bodyPr>
-            <a:normAutofit/>
-          </a:bodyPr>
-          <a:lstStyle/>
-          <a:p>
-            <a:r>
-              <a:rPr lang="de-DE" sz="2400" b="1" dirty="0" err="1">
-                <a:solidFill>
-                  <a:schemeClr val="accent1"/>
-                </a:solidFill>
-              </a:rPr>
-              <a:t>Rule</a:t>
-            </a:r>
-            <a:r>
-              <a:rPr lang="de-DE" sz="2400" b="1" dirty="0">
-                <a:solidFill>
-                  <a:schemeClr val="accent1"/>
-                </a:solidFill>
-              </a:rPr>
-              <a:t> </a:t>
-            </a:r>
-            <a:r>
-              <a:rPr lang="de-DE" sz="2400" b="1" dirty="0" err="1">
-                <a:solidFill>
-                  <a:schemeClr val="accent1"/>
-                </a:solidFill>
-              </a:rPr>
-              <a:t>independency</a:t>
-            </a:r>
-            <a:r>
-              <a:rPr lang="de-DE" sz="2400" dirty="0">
-                <a:solidFill>
-                  <a:schemeClr val="accent1"/>
-                </a:solidFill>
-              </a:rPr>
-              <a:t>: </a:t>
-            </a:r>
-            <a:r>
-              <a:rPr lang="de-DE" sz="2400" dirty="0" err="1"/>
-              <a:t>rule</a:t>
-            </a:r>
-            <a:r>
-              <a:rPr lang="de-DE" sz="2400" dirty="0"/>
-              <a:t> </a:t>
-            </a:r>
-            <a:r>
-              <a:rPr lang="de-DE" sz="2400" dirty="0" err="1"/>
-              <a:t>shouldnt</a:t>
-            </a:r>
-            <a:r>
-              <a:rPr lang="de-DE" sz="2400" dirty="0"/>
-              <a:t> </a:t>
-            </a:r>
-            <a:r>
-              <a:rPr lang="de-DE" sz="2400" dirty="0" err="1"/>
-              <a:t>depent</a:t>
-            </a:r>
-            <a:r>
-              <a:rPr lang="de-DE" sz="2400" dirty="0"/>
-              <a:t> on </a:t>
-            </a:r>
-            <a:r>
-              <a:rPr lang="de-DE" sz="2400" dirty="0" err="1"/>
-              <a:t>other</a:t>
-            </a:r>
-            <a:r>
-              <a:rPr lang="de-DE" sz="2400" dirty="0"/>
-              <a:t> </a:t>
-            </a:r>
-            <a:r>
-              <a:rPr lang="de-DE" sz="2400" dirty="0" err="1"/>
-              <a:t>rule</a:t>
-            </a:r>
-            <a:endParaRPr lang="de-DE" sz="2400" dirty="0"/>
-          </a:p>
-          <a:p>
-            <a:r>
-              <a:rPr lang="de-DE" sz="2400" b="1" dirty="0" err="1">
-                <a:solidFill>
-                  <a:schemeClr val="accent1"/>
-                </a:solidFill>
-              </a:rPr>
-              <a:t>Rule</a:t>
-            </a:r>
-            <a:r>
-              <a:rPr lang="de-DE" sz="2400" b="1" dirty="0">
-                <a:solidFill>
-                  <a:schemeClr val="accent1"/>
-                </a:solidFill>
-              </a:rPr>
-              <a:t> </a:t>
-            </a:r>
-            <a:r>
-              <a:rPr lang="de-DE" sz="2400" b="1" dirty="0" err="1">
-                <a:solidFill>
-                  <a:schemeClr val="accent1"/>
-                </a:solidFill>
-              </a:rPr>
-              <a:t>atomicity</a:t>
-            </a:r>
-            <a:r>
-              <a:rPr lang="de-DE" sz="2400" b="1" dirty="0">
-                <a:solidFill>
-                  <a:schemeClr val="accent1"/>
-                </a:solidFill>
-              </a:rPr>
-              <a:t>: </a:t>
-            </a:r>
-            <a:r>
-              <a:rPr lang="de-DE" sz="2400" dirty="0"/>
-              <a:t>design </a:t>
-            </a:r>
-            <a:r>
-              <a:rPr lang="de-DE" sz="2400" dirty="0" err="1"/>
-              <a:t>rules</a:t>
-            </a:r>
-            <a:r>
-              <a:rPr lang="de-DE" sz="2400" dirty="0"/>
-              <a:t> </a:t>
-            </a:r>
-            <a:r>
-              <a:rPr lang="de-DE" sz="2400" dirty="0" err="1"/>
-              <a:t>as</a:t>
-            </a:r>
-            <a:r>
-              <a:rPr lang="de-DE" sz="2400" dirty="0"/>
-              <a:t> simple </a:t>
-            </a:r>
-            <a:r>
-              <a:rPr lang="de-DE" sz="2400" dirty="0" err="1"/>
-              <a:t>as</a:t>
-            </a:r>
-            <a:r>
-              <a:rPr lang="de-DE" sz="2400" dirty="0"/>
-              <a:t> </a:t>
-            </a:r>
-            <a:r>
-              <a:rPr lang="de-DE" sz="2400" dirty="0" err="1"/>
-              <a:t>possible</a:t>
-            </a:r>
-            <a:r>
-              <a:rPr lang="de-DE" sz="2400" dirty="0"/>
-              <a:t>. Split </a:t>
-            </a:r>
-            <a:r>
-              <a:rPr lang="de-DE" sz="2400" dirty="0" err="1"/>
-              <a:t>complicated</a:t>
-            </a:r>
-            <a:r>
-              <a:rPr lang="de-DE" sz="2400" dirty="0"/>
-              <a:t> </a:t>
-            </a:r>
-            <a:r>
-              <a:rPr lang="de-DE" sz="2400" dirty="0" err="1"/>
-              <a:t>rules</a:t>
-            </a:r>
-            <a:r>
-              <a:rPr lang="de-DE" sz="2400" dirty="0"/>
-              <a:t> </a:t>
-            </a:r>
-            <a:r>
-              <a:rPr lang="de-DE" sz="2400" dirty="0" err="1"/>
-              <a:t>into</a:t>
-            </a:r>
-            <a:r>
-              <a:rPr lang="de-DE" sz="2400" dirty="0"/>
-              <a:t> </a:t>
-            </a:r>
-            <a:r>
-              <a:rPr lang="de-DE" sz="2400" dirty="0" err="1"/>
-              <a:t>smaller</a:t>
-            </a:r>
-            <a:r>
-              <a:rPr lang="de-DE" sz="2400" dirty="0"/>
-              <a:t> </a:t>
-            </a:r>
-            <a:r>
-              <a:rPr lang="de-DE" sz="2400" dirty="0" err="1"/>
-              <a:t>rules</a:t>
-            </a:r>
-            <a:r>
-              <a:rPr lang="de-DE" sz="2400" dirty="0"/>
-              <a:t> </a:t>
-            </a:r>
-            <a:r>
-              <a:rPr lang="de-DE" sz="2400" dirty="0" err="1"/>
-              <a:t>until</a:t>
-            </a:r>
-            <a:r>
-              <a:rPr lang="de-DE" sz="2400" dirty="0"/>
-              <a:t> </a:t>
-            </a:r>
-            <a:r>
-              <a:rPr lang="de-DE" sz="2400" dirty="0" err="1"/>
-              <a:t>they</a:t>
-            </a:r>
-            <a:r>
-              <a:rPr lang="de-DE" sz="2400" dirty="0"/>
-              <a:t> </a:t>
-            </a:r>
-            <a:r>
-              <a:rPr lang="de-DE" sz="2400" dirty="0" err="1"/>
-              <a:t>cant</a:t>
-            </a:r>
-            <a:r>
-              <a:rPr lang="de-DE" sz="2400" dirty="0"/>
-              <a:t> </a:t>
-            </a:r>
-            <a:r>
-              <a:rPr lang="de-DE" sz="2400" dirty="0" err="1"/>
-              <a:t>be</a:t>
-            </a:r>
-            <a:r>
-              <a:rPr lang="de-DE" sz="2400" dirty="0"/>
-              <a:t> </a:t>
-            </a:r>
-            <a:r>
-              <a:rPr lang="de-DE" sz="2400" dirty="0" err="1"/>
-              <a:t>divided</a:t>
-            </a:r>
-            <a:r>
-              <a:rPr lang="de-DE" sz="2400" dirty="0"/>
-              <a:t> </a:t>
-            </a:r>
-            <a:r>
-              <a:rPr lang="de-DE" sz="2400" dirty="0" err="1"/>
-              <a:t>any</a:t>
-            </a:r>
-            <a:r>
-              <a:rPr lang="de-DE" sz="2400" dirty="0"/>
-              <a:t> </a:t>
-            </a:r>
-            <a:r>
-              <a:rPr lang="de-DE" sz="2400" dirty="0" err="1"/>
-              <a:t>more</a:t>
-            </a:r>
-            <a:r>
-              <a:rPr lang="de-DE" sz="2400" dirty="0"/>
-              <a:t>.</a:t>
-            </a:r>
-          </a:p>
-          <a:p>
-            <a:r>
-              <a:rPr lang="de-DE" sz="2400" dirty="0" err="1"/>
-              <a:t>Its</a:t>
-            </a:r>
-            <a:r>
-              <a:rPr lang="de-DE" sz="2400" dirty="0"/>
-              <a:t> </a:t>
-            </a:r>
-            <a:r>
-              <a:rPr lang="de-DE" sz="2400" dirty="0" err="1"/>
-              <a:t>possible</a:t>
-            </a:r>
-            <a:r>
-              <a:rPr lang="de-DE" sz="2400" dirty="0"/>
-              <a:t> </a:t>
-            </a:r>
-            <a:r>
-              <a:rPr lang="de-DE" sz="2400" dirty="0" err="1"/>
-              <a:t>to</a:t>
-            </a:r>
-            <a:r>
-              <a:rPr lang="de-DE" sz="2400" dirty="0"/>
-              <a:t> </a:t>
-            </a:r>
-            <a:r>
-              <a:rPr lang="de-DE" sz="2400" dirty="0" err="1"/>
-              <a:t>determine</a:t>
-            </a:r>
-            <a:r>
-              <a:rPr lang="de-DE" sz="2400" dirty="0"/>
-              <a:t> </a:t>
-            </a:r>
-            <a:r>
-              <a:rPr lang="de-DE" sz="2400" dirty="0" err="1"/>
-              <a:t>order</a:t>
-            </a:r>
-            <a:r>
-              <a:rPr lang="de-DE" sz="2400" dirty="0"/>
-              <a:t> in </a:t>
-            </a:r>
-            <a:r>
-              <a:rPr lang="de-DE" sz="2400" dirty="0" err="1"/>
-              <a:t>which</a:t>
-            </a:r>
-            <a:r>
-              <a:rPr lang="de-DE" sz="2400" dirty="0"/>
-              <a:t> </a:t>
-            </a:r>
-            <a:r>
-              <a:rPr lang="de-DE" sz="2400" dirty="0" err="1"/>
-              <a:t>rules</a:t>
-            </a:r>
-            <a:r>
-              <a:rPr lang="de-DE" sz="2400" dirty="0"/>
-              <a:t> </a:t>
-            </a:r>
-            <a:r>
-              <a:rPr lang="de-DE" sz="2400" dirty="0" err="1"/>
-              <a:t>are</a:t>
-            </a:r>
-            <a:r>
-              <a:rPr lang="de-DE" sz="2400" dirty="0"/>
-              <a:t> </a:t>
-            </a:r>
-            <a:r>
-              <a:rPr lang="de-DE" sz="2400" dirty="0" err="1"/>
-              <a:t>checked</a:t>
-            </a:r>
-            <a:r>
-              <a:rPr lang="de-DE" sz="2400" dirty="0"/>
-              <a:t>, but </a:t>
-            </a:r>
-            <a:r>
-              <a:rPr lang="de-DE" sz="2400" dirty="0" err="1"/>
-              <a:t>this</a:t>
-            </a:r>
-            <a:r>
-              <a:rPr lang="de-DE" sz="2400" dirty="0"/>
-              <a:t> </a:t>
-            </a:r>
-            <a:r>
-              <a:rPr lang="de-DE" sz="2400" dirty="0" err="1"/>
-              <a:t>should</a:t>
-            </a:r>
-            <a:r>
-              <a:rPr lang="de-DE" sz="2400" dirty="0"/>
-              <a:t> </a:t>
-            </a:r>
-            <a:r>
-              <a:rPr lang="de-DE" sz="2400" dirty="0" err="1"/>
-              <a:t>remain</a:t>
-            </a:r>
-            <a:r>
-              <a:rPr lang="de-DE" sz="2400" dirty="0"/>
-              <a:t> an </a:t>
-            </a:r>
-            <a:r>
-              <a:rPr lang="de-DE" sz="2400" dirty="0" err="1"/>
-              <a:t>exception</a:t>
-            </a:r>
-            <a:r>
-              <a:rPr lang="de-DE" sz="2400" dirty="0"/>
-              <a:t> (</a:t>
-            </a:r>
-            <a:r>
-              <a:rPr lang="de-DE" sz="2400" dirty="0" err="1"/>
-              <a:t>salience</a:t>
-            </a:r>
-            <a:r>
-              <a:rPr lang="de-DE" sz="2400" dirty="0"/>
-              <a:t> ’10‘ – </a:t>
-            </a:r>
-            <a:r>
-              <a:rPr lang="de-DE" sz="2400" dirty="0" err="1"/>
-              <a:t>the</a:t>
-            </a:r>
-            <a:r>
-              <a:rPr lang="de-DE" sz="2400" dirty="0"/>
-              <a:t> </a:t>
-            </a:r>
-            <a:r>
-              <a:rPr lang="de-DE" sz="2400" dirty="0" err="1"/>
-              <a:t>higher</a:t>
-            </a:r>
-            <a:r>
-              <a:rPr lang="de-DE" sz="2400" dirty="0"/>
-              <a:t> </a:t>
-            </a:r>
-            <a:r>
-              <a:rPr lang="de-DE" sz="2400" dirty="0" err="1"/>
-              <a:t>the</a:t>
-            </a:r>
-            <a:r>
-              <a:rPr lang="de-DE" sz="2400" dirty="0"/>
-              <a:t> </a:t>
-            </a:r>
-            <a:r>
-              <a:rPr lang="de-DE" sz="2400" dirty="0" err="1"/>
-              <a:t>sooner</a:t>
-            </a:r>
-            <a:r>
-              <a:rPr lang="de-DE" sz="2400" dirty="0"/>
-              <a:t>)</a:t>
-            </a:r>
-          </a:p>
-        </p:txBody>
-      </p:sp>
-    </p:spTree>
-    <p:extLst>
-      <p:ext uri="{BB962C8B-B14F-4D97-AF65-F5344CB8AC3E}">
-        <p14:creationId xmlns:p14="http://schemas.microsoft.com/office/powerpoint/2010/main" val="2766943086"/>
-      </p:ext>
-    </p:extLst>
-  </p:cSld>
-  <p:clrMapOvr>
-    <a:masterClrMapping/>
-  </p:clrMapOvr>
-</p:sld>
-</file>
-
-<file path=ppt/slides/slide11.xml><?xml version="1.0" encoding="utf-8"?>
-<p:sld xmlns:a="http://schemas.openxmlformats.org/drawingml/2006/main" xmlns:r="http://schemas.openxmlformats.org/officeDocument/2006/relationships" xmlns:p="http://schemas.openxmlformats.org/presentationml/2006/main">
-  <p:cSld>
-    <p:spTree>
-      <p:nvGrpSpPr>
-        <p:cNvPr id="1" name=""/>
-        <p:cNvGrpSpPr/>
-        <p:nvPr/>
-      </p:nvGrpSpPr>
-      <p:grpSpPr>
-        <a:xfrm>
-          <a:off x="0" y="0"/>
-          <a:ext cx="0" cy="0"/>
-          <a:chOff x="0" y="0"/>
-          <a:chExt cx="0" cy="0"/>
-        </a:xfrm>
-      </p:grpSpPr>
-      <p:sp>
-        <p:nvSpPr>
-          <p:cNvPr id="2" name="Title 1">
-            <a:extLst>
-              <a:ext uri="{FF2B5EF4-FFF2-40B4-BE49-F238E27FC236}">
-                <a16:creationId xmlns:a16="http://schemas.microsoft.com/office/drawing/2014/main" id="{B86A170C-4151-1D4C-A093-2E45A5BD53ED}"/>
-              </a:ext>
-            </a:extLst>
-          </p:cNvPr>
-          <p:cNvSpPr>
-            <a:spLocks noGrp="1"/>
-          </p:cNvSpPr>
-          <p:nvPr>
-            <p:ph type="title"/>
-          </p:nvPr>
-        </p:nvSpPr>
-        <p:spPr/>
-        <p:txBody>
-          <a:bodyPr/>
-          <a:lstStyle/>
-          <a:p>
-            <a:r>
-              <a:rPr lang="de-DE" dirty="0"/>
-              <a:t>Java </a:t>
-            </a:r>
-            <a:r>
-              <a:rPr lang="de-DE" dirty="0" err="1"/>
-              <a:t>methods</a:t>
-            </a:r>
-            <a:r>
-              <a:rPr lang="de-DE" dirty="0"/>
-              <a:t> </a:t>
-            </a:r>
-            <a:r>
-              <a:rPr lang="de-DE" dirty="0" err="1"/>
-              <a:t>vs</a:t>
-            </a:r>
-            <a:r>
-              <a:rPr lang="de-DE" dirty="0"/>
-              <a:t> </a:t>
-            </a:r>
-            <a:r>
-              <a:rPr lang="de-DE" dirty="0" err="1"/>
-              <a:t>Drools</a:t>
-            </a:r>
-            <a:r>
-              <a:rPr lang="de-DE" dirty="0"/>
-              <a:t> </a:t>
-            </a:r>
-            <a:r>
-              <a:rPr lang="de-DE" dirty="0" err="1"/>
-              <a:t>rules</a:t>
-            </a:r>
-            <a:endParaRPr lang="de-DE" dirty="0"/>
-          </a:p>
-        </p:txBody>
-      </p:sp>
-      <p:sp>
-        <p:nvSpPr>
-          <p:cNvPr id="3" name="Content Placeholder 2">
-            <a:extLst>
-              <a:ext uri="{FF2B5EF4-FFF2-40B4-BE49-F238E27FC236}">
-                <a16:creationId xmlns:a16="http://schemas.microsoft.com/office/drawing/2014/main" id="{8236EDD7-D0D2-874E-B207-C1BBF23E3121}"/>
-              </a:ext>
-            </a:extLst>
-          </p:cNvPr>
-          <p:cNvSpPr>
-            <a:spLocks noGrp="1"/>
-          </p:cNvSpPr>
-          <p:nvPr>
-            <p:ph idx="1"/>
-          </p:nvPr>
-        </p:nvSpPr>
-        <p:spPr/>
-        <p:txBody>
-          <a:bodyPr>
-            <a:normAutofit/>
-          </a:bodyPr>
-          <a:lstStyle/>
-          <a:p>
-            <a:r>
-              <a:rPr lang="de-DE" sz="2400" dirty="0"/>
-              <a:t>Rules </a:t>
-            </a:r>
-            <a:r>
-              <a:rPr lang="de-DE" sz="2400" dirty="0" err="1"/>
-              <a:t>are</a:t>
-            </a:r>
-            <a:r>
-              <a:rPr lang="de-DE" sz="2400" dirty="0"/>
-              <a:t> </a:t>
-            </a:r>
-            <a:r>
-              <a:rPr lang="de-DE" sz="2400" dirty="0" err="1"/>
-              <a:t>executed</a:t>
-            </a:r>
-            <a:r>
-              <a:rPr lang="de-DE" sz="2400" dirty="0"/>
-              <a:t> </a:t>
-            </a:r>
-            <a:r>
-              <a:rPr lang="de-DE" sz="2400" dirty="0" err="1"/>
-              <a:t>by</a:t>
-            </a:r>
-            <a:r>
-              <a:rPr lang="de-DE" sz="2400" dirty="0"/>
-              <a:t> </a:t>
-            </a:r>
-            <a:r>
-              <a:rPr lang="de-DE" sz="2400" dirty="0" err="1"/>
-              <a:t>checking</a:t>
-            </a:r>
-            <a:r>
-              <a:rPr lang="de-DE" sz="2400" dirty="0"/>
-              <a:t> </a:t>
-            </a:r>
-            <a:r>
-              <a:rPr lang="de-DE" sz="2400" dirty="0" err="1"/>
-              <a:t>data</a:t>
-            </a:r>
-            <a:r>
-              <a:rPr lang="de-DE" sz="2400" dirty="0"/>
-              <a:t> </a:t>
-            </a:r>
-            <a:r>
-              <a:rPr lang="de-DE" sz="2400" dirty="0" err="1"/>
-              <a:t>against</a:t>
-            </a:r>
-            <a:r>
-              <a:rPr lang="de-DE" sz="2400" dirty="0"/>
-              <a:t> </a:t>
-            </a:r>
-            <a:r>
-              <a:rPr lang="de-DE" sz="2400" dirty="0" err="1"/>
-              <a:t>the</a:t>
-            </a:r>
-            <a:r>
-              <a:rPr lang="de-DE" sz="2400" dirty="0"/>
-              <a:t> </a:t>
-            </a:r>
-            <a:r>
-              <a:rPr lang="de-DE" sz="2400" dirty="0" err="1"/>
-              <a:t>rules</a:t>
-            </a:r>
-            <a:endParaRPr lang="de-DE" sz="2400" dirty="0"/>
-          </a:p>
-          <a:p>
-            <a:r>
-              <a:rPr lang="de-DE" sz="2400" dirty="0"/>
-              <a:t>Rules </a:t>
-            </a:r>
-            <a:r>
-              <a:rPr lang="de-DE" sz="2400" dirty="0" err="1"/>
-              <a:t>can</a:t>
-            </a:r>
-            <a:r>
-              <a:rPr lang="de-DE" sz="2400" dirty="0"/>
-              <a:t> </a:t>
-            </a:r>
-            <a:r>
-              <a:rPr lang="de-DE" sz="2400" dirty="0" err="1"/>
-              <a:t>never</a:t>
-            </a:r>
-            <a:r>
-              <a:rPr lang="de-DE" sz="2400" dirty="0"/>
-              <a:t> </a:t>
-            </a:r>
-            <a:r>
-              <a:rPr lang="de-DE" sz="2400" dirty="0" err="1"/>
-              <a:t>be</a:t>
-            </a:r>
-            <a:r>
-              <a:rPr lang="de-DE" sz="2400" dirty="0"/>
-              <a:t> </a:t>
-            </a:r>
-            <a:r>
-              <a:rPr lang="de-DE" sz="2400" dirty="0" err="1"/>
-              <a:t>called</a:t>
-            </a:r>
-            <a:r>
-              <a:rPr lang="de-DE" sz="2400" dirty="0"/>
-              <a:t> </a:t>
-            </a:r>
-            <a:r>
-              <a:rPr lang="de-DE" sz="2400" dirty="0" err="1"/>
-              <a:t>directly</a:t>
-            </a:r>
-            <a:endParaRPr lang="de-DE" sz="2400" dirty="0"/>
-          </a:p>
-          <a:p>
-            <a:r>
-              <a:rPr lang="de-DE" sz="2400" dirty="0" err="1"/>
-              <a:t>Depending</a:t>
-            </a:r>
-            <a:r>
-              <a:rPr lang="de-DE" sz="2400" dirty="0"/>
-              <a:t> on </a:t>
-            </a:r>
-            <a:r>
-              <a:rPr lang="de-DE" sz="2400" dirty="0" err="1"/>
-              <a:t>the</a:t>
-            </a:r>
-            <a:r>
-              <a:rPr lang="de-DE" sz="2400" dirty="0"/>
-              <a:t> </a:t>
-            </a:r>
-            <a:r>
-              <a:rPr lang="de-DE" sz="2400" dirty="0" err="1"/>
-              <a:t>data</a:t>
-            </a:r>
-            <a:r>
-              <a:rPr lang="de-DE" sz="2400" dirty="0"/>
-              <a:t> a </a:t>
-            </a:r>
-            <a:r>
-              <a:rPr lang="de-DE" sz="2400" dirty="0" err="1"/>
-              <a:t>rule</a:t>
-            </a:r>
-            <a:r>
-              <a:rPr lang="de-DE" sz="2400" dirty="0"/>
-              <a:t> </a:t>
-            </a:r>
-            <a:r>
-              <a:rPr lang="de-DE" sz="2400" dirty="0" err="1"/>
-              <a:t>can</a:t>
-            </a:r>
-            <a:r>
-              <a:rPr lang="de-DE" sz="2400" dirty="0"/>
-              <a:t> </a:t>
-            </a:r>
-            <a:r>
-              <a:rPr lang="de-DE" sz="2400" dirty="0" err="1"/>
-              <a:t>be</a:t>
-            </a:r>
-            <a:r>
-              <a:rPr lang="de-DE" sz="2400" dirty="0"/>
-              <a:t> </a:t>
-            </a:r>
-            <a:r>
-              <a:rPr lang="de-DE" sz="2400" dirty="0" err="1"/>
-              <a:t>fired</a:t>
-            </a:r>
-            <a:r>
-              <a:rPr lang="de-DE" sz="2400" dirty="0"/>
-              <a:t> </a:t>
-            </a:r>
-            <a:r>
-              <a:rPr lang="de-DE" sz="2400" dirty="0" err="1"/>
-              <a:t>once</a:t>
-            </a:r>
-            <a:r>
-              <a:rPr lang="de-DE" sz="2400" dirty="0"/>
-              <a:t>, </a:t>
-            </a:r>
-            <a:r>
-              <a:rPr lang="de-DE" sz="2400" dirty="0" err="1"/>
-              <a:t>several</a:t>
-            </a:r>
-            <a:r>
-              <a:rPr lang="de-DE" sz="2400" dirty="0"/>
-              <a:t> </a:t>
-            </a:r>
-            <a:r>
-              <a:rPr lang="de-DE" sz="2400" dirty="0" err="1"/>
-              <a:t>times</a:t>
-            </a:r>
-            <a:r>
-              <a:rPr lang="de-DE" sz="2400" dirty="0"/>
-              <a:t> </a:t>
-            </a:r>
-            <a:r>
-              <a:rPr lang="de-DE" sz="2400" dirty="0" err="1"/>
-              <a:t>or</a:t>
-            </a:r>
-            <a:r>
-              <a:rPr lang="de-DE" sz="2400" dirty="0"/>
-              <a:t> not at all</a:t>
-            </a:r>
-          </a:p>
-        </p:txBody>
-      </p:sp>
-    </p:spTree>
-    <p:extLst>
-      <p:ext uri="{BB962C8B-B14F-4D97-AF65-F5344CB8AC3E}">
-        <p14:creationId xmlns:p14="http://schemas.microsoft.com/office/powerpoint/2010/main" val="1015720186"/>
-      </p:ext>
-    </p:extLst>
-  </p:cSld>
-  <p:clrMapOvr>
-    <a:masterClrMapping/>
-  </p:clrMapOvr>
-</p:sld>
-</file>
-
-<file path=ppt/slides/slide12.xml><?xml version="1.0" encoding="utf-8"?>
-<p:sld xmlns:a="http://schemas.openxmlformats.org/drawingml/2006/main" xmlns:r="http://schemas.openxmlformats.org/officeDocument/2006/relationships" xmlns:p="http://schemas.openxmlformats.org/presentationml/2006/main">
-  <p:cSld>
-    <p:spTree>
-      <p:nvGrpSpPr>
-        <p:cNvPr id="1" name=""/>
-        <p:cNvGrpSpPr/>
-        <p:nvPr/>
-      </p:nvGrpSpPr>
-      <p:grpSpPr>
-        <a:xfrm>
-          <a:off x="0" y="0"/>
-          <a:ext cx="0" cy="0"/>
-          <a:chOff x="0" y="0"/>
-          <a:chExt cx="0" cy="0"/>
-        </a:xfrm>
-      </p:grpSpPr>
-      <p:sp>
-        <p:nvSpPr>
-          <p:cNvPr id="2" name="Title 1">
-            <a:extLst>
-              <a:ext uri="{FF2B5EF4-FFF2-40B4-BE49-F238E27FC236}">
-                <a16:creationId xmlns:a16="http://schemas.microsoft.com/office/drawing/2014/main" id="{AC040F85-19A9-471B-9727-AAD7AE4606C4}"/>
-              </a:ext>
-            </a:extLst>
-          </p:cNvPr>
-          <p:cNvSpPr>
-            <a:spLocks noGrp="1"/>
-          </p:cNvSpPr>
-          <p:nvPr>
-            <p:ph type="title"/>
-          </p:nvPr>
-        </p:nvSpPr>
-        <p:spPr/>
-        <p:txBody>
-          <a:bodyPr/>
-          <a:lstStyle/>
-          <a:p>
-            <a:r>
-              <a:rPr lang="en-US"/>
-              <a:t>Problem with stateless Sessions</a:t>
-            </a:r>
-          </a:p>
-        </p:txBody>
-      </p:sp>
-      <p:sp>
-        <p:nvSpPr>
-          <p:cNvPr id="3" name="Content Placeholder 2">
-            <a:extLst>
-              <a:ext uri="{FF2B5EF4-FFF2-40B4-BE49-F238E27FC236}">
-                <a16:creationId xmlns:a16="http://schemas.microsoft.com/office/drawing/2014/main" id="{28AE0C51-F2DC-49C2-A81D-651858D43861}"/>
-              </a:ext>
-            </a:extLst>
-          </p:cNvPr>
-          <p:cNvSpPr>
-            <a:spLocks noGrp="1"/>
-          </p:cNvSpPr>
-          <p:nvPr>
-            <p:ph idx="1"/>
-          </p:nvPr>
-        </p:nvSpPr>
-        <p:spPr/>
-        <p:txBody>
-          <a:bodyPr vert="horz" lIns="91440" tIns="45720" rIns="91440" bIns="45720" rtlCol="0" anchor="t">
-            <a:normAutofit/>
-          </a:bodyPr>
-          <a:lstStyle/>
-          <a:p>
-            <a:endParaRPr lang="en-US" sz="2400" dirty="0"/>
-          </a:p>
-          <a:p>
-            <a:endParaRPr lang="en-US" sz="2400" dirty="0"/>
-          </a:p>
-          <a:p>
-            <a:r>
-              <a:rPr lang="en-US" sz="2400"/>
-              <a:t>Showing .drl files of Section03, Step 5 vs. Step 6</a:t>
-            </a:r>
-          </a:p>
-          <a:p>
-            <a:r>
-              <a:rPr lang="en-US" sz="2400"/>
-              <a:t>Moving the Unknown rule from top to bottom</a:t>
-            </a:r>
-            <a:endParaRPr lang="en-US" sz="2400" dirty="0"/>
-          </a:p>
-        </p:txBody>
-      </p:sp>
-    </p:spTree>
-    <p:extLst>
-      <p:ext uri="{BB962C8B-B14F-4D97-AF65-F5344CB8AC3E}">
-        <p14:creationId xmlns:p14="http://schemas.microsoft.com/office/powerpoint/2010/main" val="1404068251"/>
-      </p:ext>
-    </p:extLst>
-  </p:cSld>
-  <p:clrMapOvr>
-    <a:masterClrMapping/>
-  </p:clrMapOvr>
-</p:sld>
-</file>
-
-<file path=ppt/slides/slide13.xml><?xml version="1.0" encoding="utf-8"?>
-<p:sld xmlns:a="http://schemas.openxmlformats.org/drawingml/2006/main" xmlns:r="http://schemas.openxmlformats.org/officeDocument/2006/relationships" xmlns:p="http://schemas.openxmlformats.org/presentationml/2006/main">
-  <p:cSld>
-    <p:spTree>
-      <p:nvGrpSpPr>
-        <p:cNvPr id="1" name=""/>
-        <p:cNvGrpSpPr/>
-        <p:nvPr/>
-      </p:nvGrpSpPr>
-      <p:grpSpPr>
-        <a:xfrm>
-          <a:off x="0" y="0"/>
-          <a:ext cx="0" cy="0"/>
-          <a:chOff x="0" y="0"/>
-          <a:chExt cx="0" cy="0"/>
-        </a:xfrm>
-      </p:grpSpPr>
-      <p:sp>
-        <p:nvSpPr>
-          <p:cNvPr id="2" name="Title 1">
-            <a:extLst>
-              <a:ext uri="{FF2B5EF4-FFF2-40B4-BE49-F238E27FC236}">
-                <a16:creationId xmlns:a16="http://schemas.microsoft.com/office/drawing/2014/main" id="{3E409F95-502D-064A-A22A-0273A0679413}"/>
-              </a:ext>
-            </a:extLst>
-          </p:cNvPr>
-          <p:cNvSpPr>
-            <a:spLocks noGrp="1"/>
-          </p:cNvSpPr>
-          <p:nvPr>
-            <p:ph type="title"/>
-          </p:nvPr>
-        </p:nvSpPr>
-        <p:spPr/>
-        <p:txBody>
-          <a:bodyPr/>
-          <a:lstStyle/>
-          <a:p>
-            <a:r>
-              <a:rPr lang="de-DE" dirty="0" err="1"/>
-              <a:t>Stateful</a:t>
-            </a:r>
-            <a:r>
-              <a:rPr lang="de-DE" dirty="0"/>
-              <a:t> &lt;-&gt; </a:t>
-            </a:r>
-            <a:r>
-              <a:rPr lang="de-DE" dirty="0" err="1"/>
-              <a:t>stateless</a:t>
-            </a:r>
-            <a:r>
-              <a:rPr lang="de-DE" dirty="0"/>
-              <a:t> </a:t>
-            </a:r>
-            <a:r>
-              <a:rPr lang="de-DE" dirty="0" err="1"/>
-              <a:t>session</a:t>
-            </a:r>
-            <a:endParaRPr lang="de-DE" dirty="0"/>
-          </a:p>
-        </p:txBody>
-      </p:sp>
-      <p:sp>
-        <p:nvSpPr>
-          <p:cNvPr id="3" name="Content Placeholder 2">
-            <a:extLst>
-              <a:ext uri="{FF2B5EF4-FFF2-40B4-BE49-F238E27FC236}">
-                <a16:creationId xmlns:a16="http://schemas.microsoft.com/office/drawing/2014/main" id="{AFA02619-75B9-B448-BA93-D4FA5B53531E}"/>
-              </a:ext>
-            </a:extLst>
-          </p:cNvPr>
-          <p:cNvSpPr>
-            <a:spLocks noGrp="1"/>
-          </p:cNvSpPr>
-          <p:nvPr>
-            <p:ph idx="1"/>
-          </p:nvPr>
-        </p:nvSpPr>
-        <p:spPr/>
-        <p:txBody>
-          <a:bodyPr>
-            <a:noAutofit/>
-          </a:bodyPr>
-          <a:lstStyle/>
-          <a:p>
-            <a:pPr fontAlgn="base"/>
-            <a:r>
-              <a:rPr lang="en-US" sz="2400" dirty="0" err="1"/>
-              <a:t>kmodule.xml</a:t>
-            </a:r>
-            <a:r>
-              <a:rPr lang="en-US" sz="2400" dirty="0"/>
-              <a:t>-&gt; type “stateless” </a:t>
-            </a:r>
-          </a:p>
-          <a:p>
-            <a:pPr fontAlgn="base"/>
-            <a:r>
-              <a:rPr lang="en-US" sz="2400" dirty="0"/>
-              <a:t>Default-&gt; stateful</a:t>
-            </a:r>
-          </a:p>
-          <a:p>
-            <a:pPr fontAlgn="base"/>
-            <a:r>
-              <a:rPr lang="en-US" sz="2400" dirty="0"/>
-              <a:t>stateless: drools session doesn’t get to know of state change during session, even if state of the object has changed. (“new </a:t>
-            </a:r>
-            <a:r>
-              <a:rPr lang="en-US" sz="2400" dirty="0" err="1"/>
-              <a:t>StatelessKeySession</a:t>
-            </a:r>
-            <a:r>
-              <a:rPr lang="en-US" sz="2400" dirty="0"/>
-              <a:t>”) </a:t>
-            </a:r>
-          </a:p>
-          <a:p>
-            <a:pPr fontAlgn="base"/>
-            <a:r>
-              <a:rPr lang="en-US" sz="2400" dirty="0"/>
-              <a:t>if you modify an object in a stateful session then all affected rules are automatically re-checked </a:t>
-            </a:r>
-          </a:p>
-          <a:p>
-            <a:pPr fontAlgn="base"/>
-            <a:r>
-              <a:rPr lang="en-US" sz="2400" dirty="0"/>
-              <a:t>in </a:t>
-            </a:r>
-            <a:r>
-              <a:rPr lang="en-US" sz="2400" dirty="0" err="1"/>
-              <a:t>kmodule</a:t>
-            </a:r>
-            <a:r>
-              <a:rPr lang="en-US" sz="2400" dirty="0"/>
-              <a:t> there is no specification for stateful Session needed </a:t>
-            </a:r>
-          </a:p>
-          <a:p>
-            <a:endParaRPr lang="de-DE" sz="2400" dirty="0"/>
-          </a:p>
-        </p:txBody>
-      </p:sp>
-    </p:spTree>
-    <p:extLst>
-      <p:ext uri="{BB962C8B-B14F-4D97-AF65-F5344CB8AC3E}">
-        <p14:creationId xmlns:p14="http://schemas.microsoft.com/office/powerpoint/2010/main" val="1861651547"/>
-      </p:ext>
-    </p:extLst>
-  </p:cSld>
-  <p:clrMapOvr>
-    <a:masterClrMapping/>
-  </p:clrMapOvr>
-</p:sld>
-</file>
-
-<file path=ppt/slides/slide14.xml><?xml version="1.0" encoding="utf-8"?>
-<p:sld xmlns:a="http://schemas.openxmlformats.org/drawingml/2006/main" xmlns:r="http://schemas.openxmlformats.org/officeDocument/2006/relationships" xmlns:p="http://schemas.openxmlformats.org/presentationml/2006/main">
-  <p:cSld>
-    <p:spTree>
-      <p:nvGrpSpPr>
-        <p:cNvPr id="1" name=""/>
-        <p:cNvGrpSpPr/>
-        <p:nvPr/>
-      </p:nvGrpSpPr>
-      <p:grpSpPr>
-        <a:xfrm>
-          <a:off x="0" y="0"/>
-          <a:ext cx="0" cy="0"/>
-          <a:chOff x="0" y="0"/>
-          <a:chExt cx="0" cy="0"/>
-        </a:xfrm>
-      </p:grpSpPr>
-      <p:sp>
-        <p:nvSpPr>
-          <p:cNvPr id="2" name="Title 1">
-            <a:extLst>
-              <a:ext uri="{FF2B5EF4-FFF2-40B4-BE49-F238E27FC236}">
-                <a16:creationId xmlns:a16="http://schemas.microsoft.com/office/drawing/2014/main" id="{3BE2BDD9-7B90-4D12-AEE1-A979B75744EF}"/>
-              </a:ext>
-            </a:extLst>
-          </p:cNvPr>
-          <p:cNvSpPr>
-            <a:spLocks noGrp="1"/>
-          </p:cNvSpPr>
-          <p:nvPr>
-            <p:ph type="title"/>
-          </p:nvPr>
-        </p:nvSpPr>
-        <p:spPr/>
-        <p:txBody>
-          <a:bodyPr/>
-          <a:lstStyle/>
-          <a:p>
-            <a:r>
-              <a:rPr lang="en-US" dirty="0"/>
-              <a:t>Inference</a:t>
-            </a:r>
-          </a:p>
-        </p:txBody>
-      </p:sp>
-      <p:sp>
-        <p:nvSpPr>
-          <p:cNvPr id="3" name="Content Placeholder 2">
-            <a:extLst>
-              <a:ext uri="{FF2B5EF4-FFF2-40B4-BE49-F238E27FC236}">
-                <a16:creationId xmlns:a16="http://schemas.microsoft.com/office/drawing/2014/main" id="{526E6FCE-6D94-497D-A656-E180B74CA7D8}"/>
-              </a:ext>
-            </a:extLst>
-          </p:cNvPr>
-          <p:cNvSpPr>
-            <a:spLocks noGrp="1"/>
-          </p:cNvSpPr>
-          <p:nvPr>
-            <p:ph idx="1"/>
-          </p:nvPr>
-        </p:nvSpPr>
-        <p:spPr/>
-        <p:txBody>
-          <a:bodyPr vert="horz" lIns="91440" tIns="45720" rIns="91440" bIns="45720" rtlCol="0" anchor="t">
-            <a:normAutofit/>
-          </a:bodyPr>
-          <a:lstStyle/>
-          <a:p>
-            <a:r>
-              <a:rPr lang="en-US" sz="2400" dirty="0"/>
-              <a:t>Building on top of previous knowledge. Meaning that you want to build on top of state changes.    </a:t>
-            </a:r>
-            <a:endParaRPr lang="en-US" i="1" dirty="0"/>
-          </a:p>
-          <a:p>
-            <a:r>
-              <a:rPr lang="en-US" sz="2400" i="1" dirty="0"/>
-              <a:t>see example with false passport validation</a:t>
-            </a:r>
-            <a:endParaRPr lang="en-US" i="1"/>
-          </a:p>
-          <a:p>
-            <a:r>
-              <a:rPr lang="en-US" sz="2400" dirty="0"/>
-              <a:t>To be able to apply inference, use stateful sessions</a:t>
-            </a:r>
-          </a:p>
-          <a:p>
-            <a:endParaRPr lang="en-US" sz="2400" dirty="0"/>
-          </a:p>
-        </p:txBody>
-      </p:sp>
-    </p:spTree>
-    <p:extLst>
-      <p:ext uri="{BB962C8B-B14F-4D97-AF65-F5344CB8AC3E}">
-        <p14:creationId xmlns:p14="http://schemas.microsoft.com/office/powerpoint/2010/main" val="1855608132"/>
-      </p:ext>
-    </p:extLst>
-  </p:cSld>
-  <p:clrMapOvr>
-    <a:masterClrMapping/>
-  </p:clrMapOvr>
-</p:sld>
-</file>
-
-<file path=ppt/slides/slide15.xml><?xml version="1.0" encoding="utf-8"?>
-<p:sld xmlns:a="http://schemas.openxmlformats.org/drawingml/2006/main" xmlns:r="http://schemas.openxmlformats.org/officeDocument/2006/relationships" xmlns:p="http://schemas.openxmlformats.org/presentationml/2006/main">
-  <p:cSld>
-    <p:spTree>
-      <p:nvGrpSpPr>
-        <p:cNvPr id="1" name=""/>
-        <p:cNvGrpSpPr/>
-        <p:nvPr/>
-      </p:nvGrpSpPr>
-      <p:grpSpPr>
-        <a:xfrm>
-          <a:off x="0" y="0"/>
-          <a:ext cx="0" cy="0"/>
-          <a:chOff x="0" y="0"/>
-          <a:chExt cx="0" cy="0"/>
-        </a:xfrm>
-      </p:grpSpPr>
-      <p:sp>
-        <p:nvSpPr>
-          <p:cNvPr id="2" name="Title 1">
-            <a:extLst>
-              <a:ext uri="{FF2B5EF4-FFF2-40B4-BE49-F238E27FC236}">
-                <a16:creationId xmlns:a16="http://schemas.microsoft.com/office/drawing/2014/main" id="{B9E53131-7FE0-4A5A-A63E-7B0E9EF8BDEC}"/>
-              </a:ext>
-            </a:extLst>
-          </p:cNvPr>
-          <p:cNvSpPr>
-            <a:spLocks noGrp="1"/>
-          </p:cNvSpPr>
-          <p:nvPr>
-            <p:ph type="title"/>
-          </p:nvPr>
-        </p:nvSpPr>
-        <p:spPr/>
-        <p:txBody>
-          <a:bodyPr/>
-          <a:lstStyle/>
-          <a:p>
-            <a:r>
-              <a:rPr lang="en-US" dirty="0"/>
-              <a:t>Modify keyword &amp; dispose</a:t>
-            </a:r>
-          </a:p>
-        </p:txBody>
-      </p:sp>
-      <p:sp>
-        <p:nvSpPr>
-          <p:cNvPr id="3" name="Content Placeholder 2">
-            <a:extLst>
-              <a:ext uri="{FF2B5EF4-FFF2-40B4-BE49-F238E27FC236}">
-                <a16:creationId xmlns:a16="http://schemas.microsoft.com/office/drawing/2014/main" id="{2CE94897-5B8B-4A44-9311-6939C01A7DA5}"/>
-              </a:ext>
-            </a:extLst>
-          </p:cNvPr>
-          <p:cNvSpPr>
-            <a:spLocks noGrp="1"/>
-          </p:cNvSpPr>
-          <p:nvPr>
-            <p:ph idx="1"/>
-          </p:nvPr>
-        </p:nvSpPr>
-        <p:spPr/>
-        <p:txBody>
-          <a:bodyPr vert="horz" lIns="91440" tIns="45720" rIns="91440" bIns="45720" rtlCol="0" anchor="t">
-            <a:normAutofit/>
-          </a:bodyPr>
-          <a:lstStyle/>
-          <a:p>
-            <a:r>
-              <a:rPr lang="en-US" sz="2400" dirty="0">
-                <a:ea typeface="+mn-lt"/>
-                <a:cs typeface="+mn-lt"/>
-              </a:rPr>
-              <a:t>makes drools aware of state changes</a:t>
-            </a:r>
-          </a:p>
-          <a:p>
-            <a:r>
-              <a:rPr lang="en-US" sz="2400" dirty="0"/>
-              <a:t>Other rules are automatically re-checked</a:t>
-            </a:r>
-          </a:p>
-          <a:p>
-            <a:r>
-              <a:rPr lang="en-US" sz="2400" dirty="0"/>
-              <a:t>In body of modify you can run one or more methods</a:t>
-            </a:r>
-          </a:p>
-          <a:p>
-            <a:endParaRPr lang="en-US" sz="2400" dirty="0"/>
-          </a:p>
-          <a:p>
-            <a:r>
-              <a:rPr lang="en-US" sz="2400" dirty="0"/>
-              <a:t>Dispose() method frees memory after the end of a Session</a:t>
-            </a:r>
-          </a:p>
-        </p:txBody>
-      </p:sp>
-    </p:spTree>
-    <p:extLst>
-      <p:ext uri="{BB962C8B-B14F-4D97-AF65-F5344CB8AC3E}">
-        <p14:creationId xmlns:p14="http://schemas.microsoft.com/office/powerpoint/2010/main" val="1403226445"/>
-      </p:ext>
-    </p:extLst>
-  </p:cSld>
-  <p:clrMapOvr>
-    <a:masterClrMapping/>
-  </p:clrMapOvr>
-</p:sld>
-</file>
-
-<file path=ppt/slides/slide16.xml><?xml version="1.0" encoding="utf-8"?>
-<p:sld xmlns:a="http://schemas.openxmlformats.org/drawingml/2006/main" xmlns:r="http://schemas.openxmlformats.org/officeDocument/2006/relationships" xmlns:p="http://schemas.openxmlformats.org/presentationml/2006/main">
-  <p:cSld>
-    <p:spTree>
-      <p:nvGrpSpPr>
-        <p:cNvPr id="1" name=""/>
-        <p:cNvGrpSpPr/>
-        <p:nvPr/>
-      </p:nvGrpSpPr>
-      <p:grpSpPr>
-        <a:xfrm>
-          <a:off x="0" y="0"/>
-          <a:ext cx="0" cy="0"/>
-          <a:chOff x="0" y="0"/>
-          <a:chExt cx="0" cy="0"/>
-        </a:xfrm>
-      </p:grpSpPr>
       <p:pic>
         <p:nvPicPr>
           <p:cNvPr id="2" name="Picture 2" descr="A screenshot of a cell phone&#10;&#10;Description generated with very high confidence">
@@ -7498,7 +6245,1271 @@
     </p:spTree>
     <p:extLst>
       <p:ext uri="{BB962C8B-B14F-4D97-AF65-F5344CB8AC3E}">
-        <p14:creationId xmlns:p14="http://schemas.microsoft.com/office/powerpoint/2010/main" val="606468341"/>
+        <p14:creationId xmlns:p14="http://schemas.microsoft.com/office/powerpoint/2010/main" val="217164502"/>
+      </p:ext>
+    </p:extLst>
+  </p:cSld>
+  <p:clrMapOvr>
+    <a:masterClrMapping/>
+  </p:clrMapOvr>
+</p:sld>
+</file>
+
+<file path=ppt/slides/slide11.xml><?xml version="1.0" encoding="utf-8"?>
+<p:sld xmlns:a="http://schemas.openxmlformats.org/drawingml/2006/main" xmlns:r="http://schemas.openxmlformats.org/officeDocument/2006/relationships" xmlns:p="http://schemas.openxmlformats.org/presentationml/2006/main">
+  <p:cSld>
+    <p:spTree>
+      <p:nvGrpSpPr>
+        <p:cNvPr id="1" name=""/>
+        <p:cNvGrpSpPr/>
+        <p:nvPr/>
+      </p:nvGrpSpPr>
+      <p:grpSpPr>
+        <a:xfrm>
+          <a:off x="0" y="0"/>
+          <a:ext cx="0" cy="0"/>
+          <a:chOff x="0" y="0"/>
+          <a:chExt cx="0" cy="0"/>
+        </a:xfrm>
+      </p:grpSpPr>
+      <p:sp>
+        <p:nvSpPr>
+          <p:cNvPr id="2" name="Title 1">
+            <a:extLst>
+              <a:ext uri="{FF2B5EF4-FFF2-40B4-BE49-F238E27FC236}">
+                <a16:creationId xmlns:a16="http://schemas.microsoft.com/office/drawing/2014/main" id="{43EF6EB6-3B8B-3D46-B4F8-E5DE665C2EBA}"/>
+              </a:ext>
+            </a:extLst>
+          </p:cNvPr>
+          <p:cNvSpPr>
+            <a:spLocks noGrp="1"/>
+          </p:cNvSpPr>
+          <p:nvPr>
+            <p:ph type="title"/>
+          </p:nvPr>
+        </p:nvSpPr>
+        <p:spPr/>
+        <p:txBody>
+          <a:bodyPr/>
+          <a:lstStyle/>
+          <a:p>
+            <a:r>
+              <a:rPr lang="de-DE" dirty="0" err="1"/>
+              <a:t>Introduction</a:t>
+            </a:r>
+            <a:r>
+              <a:rPr lang="de-DE" dirty="0"/>
+              <a:t> Project</a:t>
+            </a:r>
+          </a:p>
+        </p:txBody>
+      </p:sp>
+      <p:sp>
+        <p:nvSpPr>
+          <p:cNvPr id="3" name="Content Placeholder 2">
+            <a:extLst>
+              <a:ext uri="{FF2B5EF4-FFF2-40B4-BE49-F238E27FC236}">
+                <a16:creationId xmlns:a16="http://schemas.microsoft.com/office/drawing/2014/main" id="{DBFD2EEE-AFA9-DA4A-8C24-2F5DAFA8D21A}"/>
+              </a:ext>
+            </a:extLst>
+          </p:cNvPr>
+          <p:cNvSpPr>
+            <a:spLocks noGrp="1"/>
+          </p:cNvSpPr>
+          <p:nvPr>
+            <p:ph idx="1"/>
+          </p:nvPr>
+        </p:nvSpPr>
+        <p:spPr/>
+        <p:txBody>
+          <a:bodyPr/>
+          <a:lstStyle/>
+          <a:p>
+            <a:r>
+              <a:rPr lang="de-DE" dirty="0" err="1"/>
+              <a:t>Exercise</a:t>
+            </a:r>
+            <a:r>
+              <a:rPr lang="de-DE" dirty="0"/>
+              <a:t> </a:t>
+            </a:r>
+            <a:r>
+              <a:rPr lang="de-DE" dirty="0" err="1"/>
+              <a:t>Section</a:t>
+            </a:r>
+            <a:r>
+              <a:rPr lang="de-DE" dirty="0"/>
+              <a:t> 3, </a:t>
+            </a:r>
+            <a:r>
+              <a:rPr lang="de-DE" dirty="0" err="1"/>
+              <a:t>Step</a:t>
+            </a:r>
+            <a:r>
+              <a:rPr lang="de-DE" dirty="0"/>
+              <a:t> 1 (</a:t>
+            </a:r>
+            <a:r>
+              <a:rPr lang="de-DE" dirty="0" err="1"/>
+              <a:t>src</a:t>
+            </a:r>
+            <a:r>
+              <a:rPr lang="de-DE" dirty="0"/>
+              <a:t>-main-</a:t>
+            </a:r>
+            <a:r>
+              <a:rPr lang="de-DE" dirty="0" err="1"/>
+              <a:t>resources</a:t>
+            </a:r>
+            <a:r>
+              <a:rPr lang="de-DE" dirty="0"/>
+              <a:t>)</a:t>
+            </a:r>
+          </a:p>
+        </p:txBody>
+      </p:sp>
+    </p:spTree>
+    <p:extLst>
+      <p:ext uri="{BB962C8B-B14F-4D97-AF65-F5344CB8AC3E}">
+        <p14:creationId xmlns:p14="http://schemas.microsoft.com/office/powerpoint/2010/main" val="3844525609"/>
+      </p:ext>
+    </p:extLst>
+  </p:cSld>
+  <p:clrMapOvr>
+    <a:masterClrMapping/>
+  </p:clrMapOvr>
+</p:sld>
+</file>
+
+<file path=ppt/slides/slide12.xml><?xml version="1.0" encoding="utf-8"?>
+<p:sld xmlns:a="http://schemas.openxmlformats.org/drawingml/2006/main" xmlns:r="http://schemas.openxmlformats.org/officeDocument/2006/relationships" xmlns:p="http://schemas.openxmlformats.org/presentationml/2006/main">
+  <p:cSld>
+    <p:spTree>
+      <p:nvGrpSpPr>
+        <p:cNvPr id="1" name=""/>
+        <p:cNvGrpSpPr/>
+        <p:nvPr/>
+      </p:nvGrpSpPr>
+      <p:grpSpPr>
+        <a:xfrm>
+          <a:off x="0" y="0"/>
+          <a:ext cx="0" cy="0"/>
+          <a:chOff x="0" y="0"/>
+          <a:chExt cx="0" cy="0"/>
+        </a:xfrm>
+      </p:grpSpPr>
+      <p:sp>
+        <p:nvSpPr>
+          <p:cNvPr id="2" name="Title 1">
+            <a:extLst>
+              <a:ext uri="{FF2B5EF4-FFF2-40B4-BE49-F238E27FC236}">
+                <a16:creationId xmlns:a16="http://schemas.microsoft.com/office/drawing/2014/main" id="{E637CB66-BE43-3E46-BAC0-9FA4AC9B8B74}"/>
+              </a:ext>
+            </a:extLst>
+          </p:cNvPr>
+          <p:cNvSpPr>
+            <a:spLocks noGrp="1"/>
+          </p:cNvSpPr>
+          <p:nvPr>
+            <p:ph type="title"/>
+          </p:nvPr>
+        </p:nvSpPr>
+        <p:spPr/>
+        <p:txBody>
+          <a:bodyPr/>
+          <a:lstStyle/>
+          <a:p>
+            <a:r>
+              <a:rPr lang="de-DE" dirty="0"/>
+              <a:t>Rules design </a:t>
+            </a:r>
+            <a:r>
+              <a:rPr lang="de-DE" dirty="0" err="1"/>
+              <a:t>principles</a:t>
+            </a:r>
+            <a:endParaRPr lang="de-DE" dirty="0"/>
+          </a:p>
+        </p:txBody>
+      </p:sp>
+      <p:sp>
+        <p:nvSpPr>
+          <p:cNvPr id="3" name="Content Placeholder 2">
+            <a:extLst>
+              <a:ext uri="{FF2B5EF4-FFF2-40B4-BE49-F238E27FC236}">
+                <a16:creationId xmlns:a16="http://schemas.microsoft.com/office/drawing/2014/main" id="{3CB21BB8-F805-EE4A-A4CB-9E904FCC667E}"/>
+              </a:ext>
+            </a:extLst>
+          </p:cNvPr>
+          <p:cNvSpPr>
+            <a:spLocks noGrp="1"/>
+          </p:cNvSpPr>
+          <p:nvPr>
+            <p:ph idx="1"/>
+          </p:nvPr>
+        </p:nvSpPr>
+        <p:spPr/>
+        <p:txBody>
+          <a:bodyPr>
+            <a:normAutofit/>
+          </a:bodyPr>
+          <a:lstStyle/>
+          <a:p>
+            <a:r>
+              <a:rPr lang="de-DE" sz="2400" b="1" dirty="0" err="1">
+                <a:solidFill>
+                  <a:schemeClr val="accent1"/>
+                </a:solidFill>
+              </a:rPr>
+              <a:t>Rule</a:t>
+            </a:r>
+            <a:r>
+              <a:rPr lang="de-DE" sz="2400" b="1" dirty="0">
+                <a:solidFill>
+                  <a:schemeClr val="accent1"/>
+                </a:solidFill>
+              </a:rPr>
+              <a:t> </a:t>
+            </a:r>
+            <a:r>
+              <a:rPr lang="de-DE" sz="2400" b="1" dirty="0" err="1">
+                <a:solidFill>
+                  <a:schemeClr val="accent1"/>
+                </a:solidFill>
+              </a:rPr>
+              <a:t>independency</a:t>
+            </a:r>
+            <a:r>
+              <a:rPr lang="de-DE" sz="2400" dirty="0">
+                <a:solidFill>
+                  <a:schemeClr val="accent1"/>
+                </a:solidFill>
+              </a:rPr>
+              <a:t>: </a:t>
+            </a:r>
+            <a:r>
+              <a:rPr lang="de-DE" sz="2400" dirty="0" err="1"/>
+              <a:t>rule</a:t>
+            </a:r>
+            <a:r>
+              <a:rPr lang="de-DE" sz="2400" dirty="0"/>
+              <a:t> </a:t>
+            </a:r>
+            <a:r>
+              <a:rPr lang="de-DE" sz="2400" dirty="0" err="1"/>
+              <a:t>shouldnt</a:t>
+            </a:r>
+            <a:r>
+              <a:rPr lang="de-DE" sz="2400" dirty="0"/>
+              <a:t> </a:t>
+            </a:r>
+            <a:r>
+              <a:rPr lang="de-DE" sz="2400" dirty="0" err="1"/>
+              <a:t>depent</a:t>
+            </a:r>
+            <a:r>
+              <a:rPr lang="de-DE" sz="2400" dirty="0"/>
+              <a:t> on </a:t>
+            </a:r>
+            <a:r>
+              <a:rPr lang="de-DE" sz="2400" dirty="0" err="1"/>
+              <a:t>other</a:t>
+            </a:r>
+            <a:r>
+              <a:rPr lang="de-DE" sz="2400" dirty="0"/>
+              <a:t> </a:t>
+            </a:r>
+            <a:r>
+              <a:rPr lang="de-DE" sz="2400" dirty="0" err="1"/>
+              <a:t>rule</a:t>
+            </a:r>
+            <a:endParaRPr lang="de-DE" sz="2400" dirty="0"/>
+          </a:p>
+          <a:p>
+            <a:r>
+              <a:rPr lang="de-DE" sz="2400" b="1" dirty="0" err="1">
+                <a:solidFill>
+                  <a:schemeClr val="accent1"/>
+                </a:solidFill>
+              </a:rPr>
+              <a:t>Rule</a:t>
+            </a:r>
+            <a:r>
+              <a:rPr lang="de-DE" sz="2400" b="1" dirty="0">
+                <a:solidFill>
+                  <a:schemeClr val="accent1"/>
+                </a:solidFill>
+              </a:rPr>
+              <a:t> </a:t>
+            </a:r>
+            <a:r>
+              <a:rPr lang="de-DE" sz="2400" b="1" dirty="0" err="1">
+                <a:solidFill>
+                  <a:schemeClr val="accent1"/>
+                </a:solidFill>
+              </a:rPr>
+              <a:t>atomicity</a:t>
+            </a:r>
+            <a:r>
+              <a:rPr lang="de-DE" sz="2400" b="1" dirty="0">
+                <a:solidFill>
+                  <a:schemeClr val="accent1"/>
+                </a:solidFill>
+              </a:rPr>
+              <a:t>: </a:t>
+            </a:r>
+            <a:r>
+              <a:rPr lang="de-DE" sz="2400" dirty="0"/>
+              <a:t>design </a:t>
+            </a:r>
+            <a:r>
+              <a:rPr lang="de-DE" sz="2400" dirty="0" err="1"/>
+              <a:t>rules</a:t>
+            </a:r>
+            <a:r>
+              <a:rPr lang="de-DE" sz="2400" dirty="0"/>
+              <a:t> </a:t>
+            </a:r>
+            <a:r>
+              <a:rPr lang="de-DE" sz="2400" dirty="0" err="1"/>
+              <a:t>as</a:t>
+            </a:r>
+            <a:r>
+              <a:rPr lang="de-DE" sz="2400" dirty="0"/>
+              <a:t> simple </a:t>
+            </a:r>
+            <a:r>
+              <a:rPr lang="de-DE" sz="2400" dirty="0" err="1"/>
+              <a:t>as</a:t>
+            </a:r>
+            <a:r>
+              <a:rPr lang="de-DE" sz="2400" dirty="0"/>
+              <a:t> </a:t>
+            </a:r>
+            <a:r>
+              <a:rPr lang="de-DE" sz="2400" dirty="0" err="1"/>
+              <a:t>possible</a:t>
+            </a:r>
+            <a:r>
+              <a:rPr lang="de-DE" sz="2400" dirty="0"/>
+              <a:t>. Split </a:t>
+            </a:r>
+            <a:r>
+              <a:rPr lang="de-DE" sz="2400" dirty="0" err="1"/>
+              <a:t>complicated</a:t>
+            </a:r>
+            <a:r>
+              <a:rPr lang="de-DE" sz="2400" dirty="0"/>
+              <a:t> </a:t>
+            </a:r>
+            <a:r>
+              <a:rPr lang="de-DE" sz="2400" dirty="0" err="1"/>
+              <a:t>rules</a:t>
+            </a:r>
+            <a:r>
+              <a:rPr lang="de-DE" sz="2400" dirty="0"/>
+              <a:t> </a:t>
+            </a:r>
+            <a:r>
+              <a:rPr lang="de-DE" sz="2400" dirty="0" err="1"/>
+              <a:t>into</a:t>
+            </a:r>
+            <a:r>
+              <a:rPr lang="de-DE" sz="2400" dirty="0"/>
+              <a:t> </a:t>
+            </a:r>
+            <a:r>
+              <a:rPr lang="de-DE" sz="2400" dirty="0" err="1"/>
+              <a:t>smaller</a:t>
+            </a:r>
+            <a:r>
+              <a:rPr lang="de-DE" sz="2400" dirty="0"/>
+              <a:t> </a:t>
+            </a:r>
+            <a:r>
+              <a:rPr lang="de-DE" sz="2400" dirty="0" err="1"/>
+              <a:t>rules</a:t>
+            </a:r>
+            <a:r>
+              <a:rPr lang="de-DE" sz="2400" dirty="0"/>
+              <a:t> </a:t>
+            </a:r>
+            <a:r>
+              <a:rPr lang="de-DE" sz="2400" dirty="0" err="1"/>
+              <a:t>until</a:t>
+            </a:r>
+            <a:r>
+              <a:rPr lang="de-DE" sz="2400" dirty="0"/>
+              <a:t> </a:t>
+            </a:r>
+            <a:r>
+              <a:rPr lang="de-DE" sz="2400" dirty="0" err="1"/>
+              <a:t>they</a:t>
+            </a:r>
+            <a:r>
+              <a:rPr lang="de-DE" sz="2400" dirty="0"/>
+              <a:t> </a:t>
+            </a:r>
+            <a:r>
+              <a:rPr lang="de-DE" sz="2400" dirty="0" err="1"/>
+              <a:t>cant</a:t>
+            </a:r>
+            <a:r>
+              <a:rPr lang="de-DE" sz="2400" dirty="0"/>
+              <a:t> </a:t>
+            </a:r>
+            <a:r>
+              <a:rPr lang="de-DE" sz="2400" dirty="0" err="1"/>
+              <a:t>be</a:t>
+            </a:r>
+            <a:r>
+              <a:rPr lang="de-DE" sz="2400" dirty="0"/>
+              <a:t> </a:t>
+            </a:r>
+            <a:r>
+              <a:rPr lang="de-DE" sz="2400" dirty="0" err="1"/>
+              <a:t>divided</a:t>
+            </a:r>
+            <a:r>
+              <a:rPr lang="de-DE" sz="2400" dirty="0"/>
+              <a:t> </a:t>
+            </a:r>
+            <a:r>
+              <a:rPr lang="de-DE" sz="2400" dirty="0" err="1"/>
+              <a:t>any</a:t>
+            </a:r>
+            <a:r>
+              <a:rPr lang="de-DE" sz="2400" dirty="0"/>
+              <a:t> </a:t>
+            </a:r>
+            <a:r>
+              <a:rPr lang="de-DE" sz="2400" dirty="0" err="1"/>
+              <a:t>more</a:t>
+            </a:r>
+            <a:r>
+              <a:rPr lang="de-DE" sz="2400" dirty="0"/>
+              <a:t>.</a:t>
+            </a:r>
+          </a:p>
+          <a:p>
+            <a:r>
+              <a:rPr lang="de-DE" sz="2400" dirty="0" err="1"/>
+              <a:t>Its</a:t>
+            </a:r>
+            <a:r>
+              <a:rPr lang="de-DE" sz="2400" dirty="0"/>
+              <a:t> </a:t>
+            </a:r>
+            <a:r>
+              <a:rPr lang="de-DE" sz="2400" dirty="0" err="1"/>
+              <a:t>possible</a:t>
+            </a:r>
+            <a:r>
+              <a:rPr lang="de-DE" sz="2400" dirty="0"/>
+              <a:t> </a:t>
+            </a:r>
+            <a:r>
+              <a:rPr lang="de-DE" sz="2400" dirty="0" err="1"/>
+              <a:t>to</a:t>
+            </a:r>
+            <a:r>
+              <a:rPr lang="de-DE" sz="2400" dirty="0"/>
+              <a:t> </a:t>
+            </a:r>
+            <a:r>
+              <a:rPr lang="de-DE" sz="2400" dirty="0" err="1"/>
+              <a:t>determine</a:t>
+            </a:r>
+            <a:r>
+              <a:rPr lang="de-DE" sz="2400" dirty="0"/>
+              <a:t> </a:t>
+            </a:r>
+            <a:r>
+              <a:rPr lang="de-DE" sz="2400" dirty="0" err="1"/>
+              <a:t>order</a:t>
+            </a:r>
+            <a:r>
+              <a:rPr lang="de-DE" sz="2400" dirty="0"/>
+              <a:t> in </a:t>
+            </a:r>
+            <a:r>
+              <a:rPr lang="de-DE" sz="2400" dirty="0" err="1"/>
+              <a:t>which</a:t>
+            </a:r>
+            <a:r>
+              <a:rPr lang="de-DE" sz="2400" dirty="0"/>
+              <a:t> </a:t>
+            </a:r>
+            <a:r>
+              <a:rPr lang="de-DE" sz="2400" dirty="0" err="1"/>
+              <a:t>rules</a:t>
+            </a:r>
+            <a:r>
+              <a:rPr lang="de-DE" sz="2400" dirty="0"/>
+              <a:t> </a:t>
+            </a:r>
+            <a:r>
+              <a:rPr lang="de-DE" sz="2400" dirty="0" err="1"/>
+              <a:t>are</a:t>
+            </a:r>
+            <a:r>
+              <a:rPr lang="de-DE" sz="2400" dirty="0"/>
+              <a:t> </a:t>
+            </a:r>
+            <a:r>
+              <a:rPr lang="de-DE" sz="2400" dirty="0" err="1"/>
+              <a:t>checked</a:t>
+            </a:r>
+            <a:r>
+              <a:rPr lang="de-DE" sz="2400" dirty="0"/>
+              <a:t>, but </a:t>
+            </a:r>
+            <a:r>
+              <a:rPr lang="de-DE" sz="2400" dirty="0" err="1"/>
+              <a:t>this</a:t>
+            </a:r>
+            <a:r>
+              <a:rPr lang="de-DE" sz="2400" dirty="0"/>
+              <a:t> </a:t>
+            </a:r>
+            <a:r>
+              <a:rPr lang="de-DE" sz="2400" dirty="0" err="1"/>
+              <a:t>should</a:t>
+            </a:r>
+            <a:r>
+              <a:rPr lang="de-DE" sz="2400" dirty="0"/>
+              <a:t> </a:t>
+            </a:r>
+            <a:r>
+              <a:rPr lang="de-DE" sz="2400" dirty="0" err="1"/>
+              <a:t>remain</a:t>
+            </a:r>
+            <a:r>
+              <a:rPr lang="de-DE" sz="2400" dirty="0"/>
+              <a:t> an </a:t>
+            </a:r>
+            <a:r>
+              <a:rPr lang="de-DE" sz="2400" dirty="0" err="1"/>
+              <a:t>exception</a:t>
+            </a:r>
+            <a:r>
+              <a:rPr lang="de-DE" sz="2400" dirty="0"/>
+              <a:t> (</a:t>
+            </a:r>
+            <a:r>
+              <a:rPr lang="de-DE" sz="2400" dirty="0" err="1"/>
+              <a:t>salience</a:t>
+            </a:r>
+            <a:r>
+              <a:rPr lang="de-DE" sz="2400" dirty="0"/>
+              <a:t> ’10‘ – </a:t>
+            </a:r>
+            <a:r>
+              <a:rPr lang="de-DE" sz="2400" dirty="0" err="1"/>
+              <a:t>the</a:t>
+            </a:r>
+            <a:r>
+              <a:rPr lang="de-DE" sz="2400" dirty="0"/>
+              <a:t> </a:t>
+            </a:r>
+            <a:r>
+              <a:rPr lang="de-DE" sz="2400" dirty="0" err="1"/>
+              <a:t>higher</a:t>
+            </a:r>
+            <a:r>
+              <a:rPr lang="de-DE" sz="2400" dirty="0"/>
+              <a:t> </a:t>
+            </a:r>
+            <a:r>
+              <a:rPr lang="de-DE" sz="2400" dirty="0" err="1"/>
+              <a:t>the</a:t>
+            </a:r>
+            <a:r>
+              <a:rPr lang="de-DE" sz="2400" dirty="0"/>
+              <a:t> </a:t>
+            </a:r>
+            <a:r>
+              <a:rPr lang="de-DE" sz="2400" dirty="0" err="1"/>
+              <a:t>sooner</a:t>
+            </a:r>
+            <a:r>
+              <a:rPr lang="de-DE" sz="2400" dirty="0"/>
+              <a:t>)</a:t>
+            </a:r>
+          </a:p>
+        </p:txBody>
+      </p:sp>
+    </p:spTree>
+    <p:extLst>
+      <p:ext uri="{BB962C8B-B14F-4D97-AF65-F5344CB8AC3E}">
+        <p14:creationId xmlns:p14="http://schemas.microsoft.com/office/powerpoint/2010/main" val="2766943086"/>
+      </p:ext>
+    </p:extLst>
+  </p:cSld>
+  <p:clrMapOvr>
+    <a:masterClrMapping/>
+  </p:clrMapOvr>
+</p:sld>
+</file>
+
+<file path=ppt/slides/slide13.xml><?xml version="1.0" encoding="utf-8"?>
+<p:sld xmlns:a="http://schemas.openxmlformats.org/drawingml/2006/main" xmlns:r="http://schemas.openxmlformats.org/officeDocument/2006/relationships" xmlns:p="http://schemas.openxmlformats.org/presentationml/2006/main">
+  <p:cSld>
+    <p:spTree>
+      <p:nvGrpSpPr>
+        <p:cNvPr id="1" name=""/>
+        <p:cNvGrpSpPr/>
+        <p:nvPr/>
+      </p:nvGrpSpPr>
+      <p:grpSpPr>
+        <a:xfrm>
+          <a:off x="0" y="0"/>
+          <a:ext cx="0" cy="0"/>
+          <a:chOff x="0" y="0"/>
+          <a:chExt cx="0" cy="0"/>
+        </a:xfrm>
+      </p:grpSpPr>
+      <p:sp>
+        <p:nvSpPr>
+          <p:cNvPr id="2" name="Title 1">
+            <a:extLst>
+              <a:ext uri="{FF2B5EF4-FFF2-40B4-BE49-F238E27FC236}">
+                <a16:creationId xmlns:a16="http://schemas.microsoft.com/office/drawing/2014/main" id="{B86A170C-4151-1D4C-A093-2E45A5BD53ED}"/>
+              </a:ext>
+            </a:extLst>
+          </p:cNvPr>
+          <p:cNvSpPr>
+            <a:spLocks noGrp="1"/>
+          </p:cNvSpPr>
+          <p:nvPr>
+            <p:ph type="title"/>
+          </p:nvPr>
+        </p:nvSpPr>
+        <p:spPr/>
+        <p:txBody>
+          <a:bodyPr/>
+          <a:lstStyle/>
+          <a:p>
+            <a:r>
+              <a:rPr lang="de-DE" dirty="0"/>
+              <a:t>Java </a:t>
+            </a:r>
+            <a:r>
+              <a:rPr lang="de-DE" dirty="0" err="1"/>
+              <a:t>methods</a:t>
+            </a:r>
+            <a:r>
+              <a:rPr lang="de-DE" dirty="0"/>
+              <a:t> </a:t>
+            </a:r>
+            <a:r>
+              <a:rPr lang="de-DE" dirty="0" err="1"/>
+              <a:t>vs</a:t>
+            </a:r>
+            <a:r>
+              <a:rPr lang="de-DE" dirty="0"/>
+              <a:t> </a:t>
+            </a:r>
+            <a:r>
+              <a:rPr lang="de-DE" dirty="0" err="1"/>
+              <a:t>Drools</a:t>
+            </a:r>
+            <a:r>
+              <a:rPr lang="de-DE" dirty="0"/>
+              <a:t> </a:t>
+            </a:r>
+            <a:r>
+              <a:rPr lang="de-DE" dirty="0" err="1"/>
+              <a:t>rules</a:t>
+            </a:r>
+            <a:endParaRPr lang="de-DE" dirty="0"/>
+          </a:p>
+        </p:txBody>
+      </p:sp>
+      <p:sp>
+        <p:nvSpPr>
+          <p:cNvPr id="3" name="Content Placeholder 2">
+            <a:extLst>
+              <a:ext uri="{FF2B5EF4-FFF2-40B4-BE49-F238E27FC236}">
+                <a16:creationId xmlns:a16="http://schemas.microsoft.com/office/drawing/2014/main" id="{8236EDD7-D0D2-874E-B207-C1BBF23E3121}"/>
+              </a:ext>
+            </a:extLst>
+          </p:cNvPr>
+          <p:cNvSpPr>
+            <a:spLocks noGrp="1"/>
+          </p:cNvSpPr>
+          <p:nvPr>
+            <p:ph idx="1"/>
+          </p:nvPr>
+        </p:nvSpPr>
+        <p:spPr/>
+        <p:txBody>
+          <a:bodyPr>
+            <a:normAutofit/>
+          </a:bodyPr>
+          <a:lstStyle/>
+          <a:p>
+            <a:r>
+              <a:rPr lang="de-DE" sz="2400" dirty="0"/>
+              <a:t>Rules </a:t>
+            </a:r>
+            <a:r>
+              <a:rPr lang="de-DE" sz="2400" dirty="0" err="1"/>
+              <a:t>are</a:t>
+            </a:r>
+            <a:r>
+              <a:rPr lang="de-DE" sz="2400" dirty="0"/>
+              <a:t> </a:t>
+            </a:r>
+            <a:r>
+              <a:rPr lang="de-DE" sz="2400" dirty="0" err="1"/>
+              <a:t>executed</a:t>
+            </a:r>
+            <a:r>
+              <a:rPr lang="de-DE" sz="2400" dirty="0"/>
+              <a:t> </a:t>
+            </a:r>
+            <a:r>
+              <a:rPr lang="de-DE" sz="2400" dirty="0" err="1"/>
+              <a:t>by</a:t>
+            </a:r>
+            <a:r>
+              <a:rPr lang="de-DE" sz="2400" dirty="0"/>
+              <a:t> </a:t>
+            </a:r>
+            <a:r>
+              <a:rPr lang="de-DE" sz="2400" dirty="0" err="1"/>
+              <a:t>checking</a:t>
+            </a:r>
+            <a:r>
+              <a:rPr lang="de-DE" sz="2400" dirty="0"/>
+              <a:t> </a:t>
+            </a:r>
+            <a:r>
+              <a:rPr lang="de-DE" sz="2400" dirty="0" err="1"/>
+              <a:t>data</a:t>
+            </a:r>
+            <a:r>
+              <a:rPr lang="de-DE" sz="2400" dirty="0"/>
+              <a:t> </a:t>
+            </a:r>
+            <a:r>
+              <a:rPr lang="de-DE" sz="2400" dirty="0" err="1"/>
+              <a:t>against</a:t>
+            </a:r>
+            <a:r>
+              <a:rPr lang="de-DE" sz="2400" dirty="0"/>
+              <a:t> </a:t>
+            </a:r>
+            <a:r>
+              <a:rPr lang="de-DE" sz="2400" dirty="0" err="1"/>
+              <a:t>the</a:t>
+            </a:r>
+            <a:r>
+              <a:rPr lang="de-DE" sz="2400" dirty="0"/>
+              <a:t> </a:t>
+            </a:r>
+            <a:r>
+              <a:rPr lang="de-DE" sz="2400" dirty="0" err="1"/>
+              <a:t>rules</a:t>
+            </a:r>
+            <a:endParaRPr lang="de-DE" sz="2400" dirty="0"/>
+          </a:p>
+          <a:p>
+            <a:r>
+              <a:rPr lang="de-DE" sz="2400" dirty="0"/>
+              <a:t>Rules </a:t>
+            </a:r>
+            <a:r>
+              <a:rPr lang="de-DE" sz="2400" dirty="0" err="1"/>
+              <a:t>can</a:t>
+            </a:r>
+            <a:r>
+              <a:rPr lang="de-DE" sz="2400" dirty="0"/>
+              <a:t> </a:t>
+            </a:r>
+            <a:r>
+              <a:rPr lang="de-DE" sz="2400" dirty="0" err="1"/>
+              <a:t>never</a:t>
+            </a:r>
+            <a:r>
+              <a:rPr lang="de-DE" sz="2400" dirty="0"/>
+              <a:t> </a:t>
+            </a:r>
+            <a:r>
+              <a:rPr lang="de-DE" sz="2400" dirty="0" err="1"/>
+              <a:t>be</a:t>
+            </a:r>
+            <a:r>
+              <a:rPr lang="de-DE" sz="2400" dirty="0"/>
+              <a:t> </a:t>
+            </a:r>
+            <a:r>
+              <a:rPr lang="de-DE" sz="2400" dirty="0" err="1"/>
+              <a:t>called</a:t>
+            </a:r>
+            <a:r>
+              <a:rPr lang="de-DE" sz="2400" dirty="0"/>
+              <a:t> </a:t>
+            </a:r>
+            <a:r>
+              <a:rPr lang="de-DE" sz="2400" dirty="0" err="1"/>
+              <a:t>directly</a:t>
+            </a:r>
+            <a:endParaRPr lang="de-DE" sz="2400" dirty="0"/>
+          </a:p>
+          <a:p>
+            <a:r>
+              <a:rPr lang="de-DE" sz="2400" dirty="0" err="1"/>
+              <a:t>Depending</a:t>
+            </a:r>
+            <a:r>
+              <a:rPr lang="de-DE" sz="2400" dirty="0"/>
+              <a:t> on </a:t>
+            </a:r>
+            <a:r>
+              <a:rPr lang="de-DE" sz="2400" dirty="0" err="1"/>
+              <a:t>the</a:t>
+            </a:r>
+            <a:r>
+              <a:rPr lang="de-DE" sz="2400" dirty="0"/>
+              <a:t> </a:t>
+            </a:r>
+            <a:r>
+              <a:rPr lang="de-DE" sz="2400" dirty="0" err="1"/>
+              <a:t>data</a:t>
+            </a:r>
+            <a:r>
+              <a:rPr lang="de-DE" sz="2400" dirty="0"/>
+              <a:t> a </a:t>
+            </a:r>
+            <a:r>
+              <a:rPr lang="de-DE" sz="2400" dirty="0" err="1"/>
+              <a:t>rule</a:t>
+            </a:r>
+            <a:r>
+              <a:rPr lang="de-DE" sz="2400" dirty="0"/>
+              <a:t> </a:t>
+            </a:r>
+            <a:r>
+              <a:rPr lang="de-DE" sz="2400" dirty="0" err="1"/>
+              <a:t>can</a:t>
+            </a:r>
+            <a:r>
+              <a:rPr lang="de-DE" sz="2400" dirty="0"/>
+              <a:t> </a:t>
+            </a:r>
+            <a:r>
+              <a:rPr lang="de-DE" sz="2400" dirty="0" err="1"/>
+              <a:t>be</a:t>
+            </a:r>
+            <a:r>
+              <a:rPr lang="de-DE" sz="2400" dirty="0"/>
+              <a:t> </a:t>
+            </a:r>
+            <a:r>
+              <a:rPr lang="de-DE" sz="2400" dirty="0" err="1"/>
+              <a:t>fired</a:t>
+            </a:r>
+            <a:r>
+              <a:rPr lang="de-DE" sz="2400" dirty="0"/>
+              <a:t> </a:t>
+            </a:r>
+            <a:r>
+              <a:rPr lang="de-DE" sz="2400" dirty="0" err="1"/>
+              <a:t>once</a:t>
+            </a:r>
+            <a:r>
+              <a:rPr lang="de-DE" sz="2400" dirty="0"/>
+              <a:t>, </a:t>
+            </a:r>
+            <a:r>
+              <a:rPr lang="de-DE" sz="2400" dirty="0" err="1"/>
+              <a:t>several</a:t>
+            </a:r>
+            <a:r>
+              <a:rPr lang="de-DE" sz="2400" dirty="0"/>
+              <a:t> </a:t>
+            </a:r>
+            <a:r>
+              <a:rPr lang="de-DE" sz="2400" dirty="0" err="1"/>
+              <a:t>times</a:t>
+            </a:r>
+            <a:r>
+              <a:rPr lang="de-DE" sz="2400" dirty="0"/>
+              <a:t> </a:t>
+            </a:r>
+            <a:r>
+              <a:rPr lang="de-DE" sz="2400" dirty="0" err="1"/>
+              <a:t>or</a:t>
+            </a:r>
+            <a:r>
+              <a:rPr lang="de-DE" sz="2400" dirty="0"/>
+              <a:t> not at all</a:t>
+            </a:r>
+          </a:p>
+        </p:txBody>
+      </p:sp>
+    </p:spTree>
+    <p:extLst>
+      <p:ext uri="{BB962C8B-B14F-4D97-AF65-F5344CB8AC3E}">
+        <p14:creationId xmlns:p14="http://schemas.microsoft.com/office/powerpoint/2010/main" val="1015720186"/>
+      </p:ext>
+    </p:extLst>
+  </p:cSld>
+  <p:clrMapOvr>
+    <a:masterClrMapping/>
+  </p:clrMapOvr>
+</p:sld>
+</file>
+
+<file path=ppt/slides/slide14.xml><?xml version="1.0" encoding="utf-8"?>
+<p:sld xmlns:a="http://schemas.openxmlformats.org/drawingml/2006/main" xmlns:r="http://schemas.openxmlformats.org/officeDocument/2006/relationships" xmlns:p="http://schemas.openxmlformats.org/presentationml/2006/main">
+  <p:cSld>
+    <p:spTree>
+      <p:nvGrpSpPr>
+        <p:cNvPr id="1" name=""/>
+        <p:cNvGrpSpPr/>
+        <p:nvPr/>
+      </p:nvGrpSpPr>
+      <p:grpSpPr>
+        <a:xfrm>
+          <a:off x="0" y="0"/>
+          <a:ext cx="0" cy="0"/>
+          <a:chOff x="0" y="0"/>
+          <a:chExt cx="0" cy="0"/>
+        </a:xfrm>
+      </p:grpSpPr>
+      <p:sp>
+        <p:nvSpPr>
+          <p:cNvPr id="2" name="Title 1">
+            <a:extLst>
+              <a:ext uri="{FF2B5EF4-FFF2-40B4-BE49-F238E27FC236}">
+                <a16:creationId xmlns:a16="http://schemas.microsoft.com/office/drawing/2014/main" id="{5F999DC3-1416-CB43-9094-D6F7E10A5DAA}"/>
+              </a:ext>
+            </a:extLst>
+          </p:cNvPr>
+          <p:cNvSpPr>
+            <a:spLocks noGrp="1"/>
+          </p:cNvSpPr>
+          <p:nvPr>
+            <p:ph type="title"/>
+          </p:nvPr>
+        </p:nvSpPr>
+        <p:spPr/>
+        <p:txBody>
+          <a:bodyPr/>
+          <a:lstStyle/>
+          <a:p>
+            <a:r>
+              <a:rPr lang="de-DE" dirty="0" err="1"/>
+              <a:t>Exercise</a:t>
+            </a:r>
+            <a:endParaRPr lang="de-DE" dirty="0"/>
+          </a:p>
+        </p:txBody>
+      </p:sp>
+      <p:sp>
+        <p:nvSpPr>
+          <p:cNvPr id="3" name="Content Placeholder 2">
+            <a:extLst>
+              <a:ext uri="{FF2B5EF4-FFF2-40B4-BE49-F238E27FC236}">
+                <a16:creationId xmlns:a16="http://schemas.microsoft.com/office/drawing/2014/main" id="{EE94F4C2-8857-2140-BA4F-F636DEE94E8A}"/>
+              </a:ext>
+            </a:extLst>
+          </p:cNvPr>
+          <p:cNvSpPr>
+            <a:spLocks noGrp="1"/>
+          </p:cNvSpPr>
+          <p:nvPr>
+            <p:ph idx="1"/>
+          </p:nvPr>
+        </p:nvSpPr>
+        <p:spPr/>
+        <p:txBody>
+          <a:bodyPr/>
+          <a:lstStyle/>
+          <a:p>
+            <a:r>
+              <a:rPr lang="de-DE" dirty="0" err="1"/>
+              <a:t>Section</a:t>
+            </a:r>
+            <a:r>
+              <a:rPr lang="de-DE" dirty="0"/>
+              <a:t> 3, </a:t>
+            </a:r>
+            <a:r>
+              <a:rPr lang="de-DE" dirty="0" err="1"/>
+              <a:t>steps</a:t>
+            </a:r>
+            <a:r>
+              <a:rPr lang="de-DE" dirty="0"/>
+              <a:t> 2-4</a:t>
+            </a:r>
+          </a:p>
+        </p:txBody>
+      </p:sp>
+    </p:spTree>
+    <p:extLst>
+      <p:ext uri="{BB962C8B-B14F-4D97-AF65-F5344CB8AC3E}">
+        <p14:creationId xmlns:p14="http://schemas.microsoft.com/office/powerpoint/2010/main" val="2099019192"/>
+      </p:ext>
+    </p:extLst>
+  </p:cSld>
+  <p:clrMapOvr>
+    <a:masterClrMapping/>
+  </p:clrMapOvr>
+</p:sld>
+</file>
+
+<file path=ppt/slides/slide15.xml><?xml version="1.0" encoding="utf-8"?>
+<p:sld xmlns:a="http://schemas.openxmlformats.org/drawingml/2006/main" xmlns:r="http://schemas.openxmlformats.org/officeDocument/2006/relationships" xmlns:p="http://schemas.openxmlformats.org/presentationml/2006/main">
+  <p:cSld>
+    <p:spTree>
+      <p:nvGrpSpPr>
+        <p:cNvPr id="1" name=""/>
+        <p:cNvGrpSpPr/>
+        <p:nvPr/>
+      </p:nvGrpSpPr>
+      <p:grpSpPr>
+        <a:xfrm>
+          <a:off x="0" y="0"/>
+          <a:ext cx="0" cy="0"/>
+          <a:chOff x="0" y="0"/>
+          <a:chExt cx="0" cy="0"/>
+        </a:xfrm>
+      </p:grpSpPr>
+      <p:sp>
+        <p:nvSpPr>
+          <p:cNvPr id="2" name="Title 1">
+            <a:extLst>
+              <a:ext uri="{FF2B5EF4-FFF2-40B4-BE49-F238E27FC236}">
+                <a16:creationId xmlns:a16="http://schemas.microsoft.com/office/drawing/2014/main" id="{3E409F95-502D-064A-A22A-0273A0679413}"/>
+              </a:ext>
+            </a:extLst>
+          </p:cNvPr>
+          <p:cNvSpPr>
+            <a:spLocks noGrp="1"/>
+          </p:cNvSpPr>
+          <p:nvPr>
+            <p:ph type="title"/>
+          </p:nvPr>
+        </p:nvSpPr>
+        <p:spPr/>
+        <p:txBody>
+          <a:bodyPr/>
+          <a:lstStyle/>
+          <a:p>
+            <a:r>
+              <a:rPr lang="de-DE" dirty="0" err="1"/>
+              <a:t>Stateful</a:t>
+            </a:r>
+            <a:r>
+              <a:rPr lang="de-DE" dirty="0"/>
+              <a:t> &lt;-&gt; </a:t>
+            </a:r>
+            <a:r>
+              <a:rPr lang="de-DE" dirty="0" err="1"/>
+              <a:t>stateless</a:t>
+            </a:r>
+            <a:r>
+              <a:rPr lang="de-DE" dirty="0"/>
+              <a:t> </a:t>
+            </a:r>
+            <a:r>
+              <a:rPr lang="de-DE" dirty="0" err="1"/>
+              <a:t>session</a:t>
+            </a:r>
+            <a:endParaRPr lang="de-DE" dirty="0"/>
+          </a:p>
+        </p:txBody>
+      </p:sp>
+      <p:sp>
+        <p:nvSpPr>
+          <p:cNvPr id="3" name="Content Placeholder 2">
+            <a:extLst>
+              <a:ext uri="{FF2B5EF4-FFF2-40B4-BE49-F238E27FC236}">
+                <a16:creationId xmlns:a16="http://schemas.microsoft.com/office/drawing/2014/main" id="{AFA02619-75B9-B448-BA93-D4FA5B53531E}"/>
+              </a:ext>
+            </a:extLst>
+          </p:cNvPr>
+          <p:cNvSpPr>
+            <a:spLocks noGrp="1"/>
+          </p:cNvSpPr>
+          <p:nvPr>
+            <p:ph idx="1"/>
+          </p:nvPr>
+        </p:nvSpPr>
+        <p:spPr/>
+        <p:txBody>
+          <a:bodyPr>
+            <a:noAutofit/>
+          </a:bodyPr>
+          <a:lstStyle/>
+          <a:p>
+            <a:pPr fontAlgn="base"/>
+            <a:r>
+              <a:rPr lang="en-US" sz="2400" dirty="0" err="1"/>
+              <a:t>kmodule.xml</a:t>
+            </a:r>
+            <a:r>
+              <a:rPr lang="en-US" sz="2400" dirty="0"/>
+              <a:t>-&gt; type “stateless” </a:t>
+            </a:r>
+          </a:p>
+          <a:p>
+            <a:pPr fontAlgn="base"/>
+            <a:r>
+              <a:rPr lang="en-US" sz="2400" dirty="0"/>
+              <a:t>Default-&gt; stateful</a:t>
+            </a:r>
+          </a:p>
+          <a:p>
+            <a:pPr fontAlgn="base"/>
+            <a:r>
+              <a:rPr lang="en-US" sz="2400" dirty="0"/>
+              <a:t>stateless: drools session doesn’t get to know of state change during session, even if state of the object has changed. (“new </a:t>
+            </a:r>
+            <a:r>
+              <a:rPr lang="en-US" sz="2400" dirty="0" err="1"/>
+              <a:t>StatelessKeySession</a:t>
+            </a:r>
+            <a:r>
+              <a:rPr lang="en-US" sz="2400" dirty="0"/>
+              <a:t>”) </a:t>
+            </a:r>
+          </a:p>
+          <a:p>
+            <a:pPr fontAlgn="base"/>
+            <a:r>
+              <a:rPr lang="en-US" sz="2400" dirty="0"/>
+              <a:t>if you modify an object in a stateful session then all affected rules are automatically re-checked </a:t>
+            </a:r>
+          </a:p>
+          <a:p>
+            <a:pPr fontAlgn="base"/>
+            <a:r>
+              <a:rPr lang="en-US" sz="2400" dirty="0"/>
+              <a:t>in </a:t>
+            </a:r>
+            <a:r>
+              <a:rPr lang="en-US" sz="2400" dirty="0" err="1"/>
+              <a:t>kmodule</a:t>
+            </a:r>
+            <a:r>
+              <a:rPr lang="en-US" sz="2400" dirty="0"/>
+              <a:t> there is no specification for stateful Session needed </a:t>
+            </a:r>
+          </a:p>
+          <a:p>
+            <a:endParaRPr lang="de-DE" sz="2400" dirty="0"/>
+          </a:p>
+        </p:txBody>
+      </p:sp>
+    </p:spTree>
+    <p:extLst>
+      <p:ext uri="{BB962C8B-B14F-4D97-AF65-F5344CB8AC3E}">
+        <p14:creationId xmlns:p14="http://schemas.microsoft.com/office/powerpoint/2010/main" val="1861651547"/>
+      </p:ext>
+    </p:extLst>
+  </p:cSld>
+  <p:clrMapOvr>
+    <a:masterClrMapping/>
+  </p:clrMapOvr>
+</p:sld>
+</file>
+
+<file path=ppt/slides/slide16.xml><?xml version="1.0" encoding="utf-8"?>
+<p:sld xmlns:a="http://schemas.openxmlformats.org/drawingml/2006/main" xmlns:r="http://schemas.openxmlformats.org/officeDocument/2006/relationships" xmlns:p="http://schemas.openxmlformats.org/presentationml/2006/main">
+  <p:cSld>
+    <p:spTree>
+      <p:nvGrpSpPr>
+        <p:cNvPr id="1" name=""/>
+        <p:cNvGrpSpPr/>
+        <p:nvPr/>
+      </p:nvGrpSpPr>
+      <p:grpSpPr>
+        <a:xfrm>
+          <a:off x="0" y="0"/>
+          <a:ext cx="0" cy="0"/>
+          <a:chOff x="0" y="0"/>
+          <a:chExt cx="0" cy="0"/>
+        </a:xfrm>
+      </p:grpSpPr>
+      <p:sp>
+        <p:nvSpPr>
+          <p:cNvPr id="2" name="Title 1">
+            <a:extLst>
+              <a:ext uri="{FF2B5EF4-FFF2-40B4-BE49-F238E27FC236}">
+                <a16:creationId xmlns:a16="http://schemas.microsoft.com/office/drawing/2014/main" id="{AC040F85-19A9-471B-9727-AAD7AE4606C4}"/>
+              </a:ext>
+            </a:extLst>
+          </p:cNvPr>
+          <p:cNvSpPr>
+            <a:spLocks noGrp="1"/>
+          </p:cNvSpPr>
+          <p:nvPr>
+            <p:ph type="title"/>
+          </p:nvPr>
+        </p:nvSpPr>
+        <p:spPr/>
+        <p:txBody>
+          <a:bodyPr/>
+          <a:lstStyle/>
+          <a:p>
+            <a:r>
+              <a:rPr lang="en-US"/>
+              <a:t>Problem with stateless Sessions</a:t>
+            </a:r>
+          </a:p>
+        </p:txBody>
+      </p:sp>
+      <p:sp>
+        <p:nvSpPr>
+          <p:cNvPr id="3" name="Content Placeholder 2">
+            <a:extLst>
+              <a:ext uri="{FF2B5EF4-FFF2-40B4-BE49-F238E27FC236}">
+                <a16:creationId xmlns:a16="http://schemas.microsoft.com/office/drawing/2014/main" id="{28AE0C51-F2DC-49C2-A81D-651858D43861}"/>
+              </a:ext>
+            </a:extLst>
+          </p:cNvPr>
+          <p:cNvSpPr>
+            <a:spLocks noGrp="1"/>
+          </p:cNvSpPr>
+          <p:nvPr>
+            <p:ph idx="1"/>
+          </p:nvPr>
+        </p:nvSpPr>
+        <p:spPr/>
+        <p:txBody>
+          <a:bodyPr vert="horz" lIns="91440" tIns="45720" rIns="91440" bIns="45720" rtlCol="0" anchor="t">
+            <a:normAutofit/>
+          </a:bodyPr>
+          <a:lstStyle/>
+          <a:p>
+            <a:endParaRPr lang="en-US" sz="2400" dirty="0"/>
+          </a:p>
+          <a:p>
+            <a:endParaRPr lang="en-US" sz="2400" dirty="0"/>
+          </a:p>
+          <a:p>
+            <a:r>
+              <a:rPr lang="en-US" sz="2400"/>
+              <a:t>Showing .drl files of Section03, Step 5 vs. Step 6</a:t>
+            </a:r>
+          </a:p>
+          <a:p>
+            <a:r>
+              <a:rPr lang="en-US" sz="2400"/>
+              <a:t>Moving the Unknown rule from top to bottom</a:t>
+            </a:r>
+            <a:endParaRPr lang="en-US" sz="2400" dirty="0"/>
+          </a:p>
+        </p:txBody>
+      </p:sp>
+    </p:spTree>
+    <p:extLst>
+      <p:ext uri="{BB962C8B-B14F-4D97-AF65-F5344CB8AC3E}">
+        <p14:creationId xmlns:p14="http://schemas.microsoft.com/office/powerpoint/2010/main" val="1404068251"/>
       </p:ext>
     </p:extLst>
   </p:cSld>
@@ -7509,6 +7520,223 @@
 </file>
 
 <file path=ppt/slides/slide17.xml><?xml version="1.0" encoding="utf-8"?>
+<p:sld xmlns:a="http://schemas.openxmlformats.org/drawingml/2006/main" xmlns:r="http://schemas.openxmlformats.org/officeDocument/2006/relationships" xmlns:p="http://schemas.openxmlformats.org/presentationml/2006/main">
+  <p:cSld>
+    <p:spTree>
+      <p:nvGrpSpPr>
+        <p:cNvPr id="1" name=""/>
+        <p:cNvGrpSpPr/>
+        <p:nvPr/>
+      </p:nvGrpSpPr>
+      <p:grpSpPr>
+        <a:xfrm>
+          <a:off x="0" y="0"/>
+          <a:ext cx="0" cy="0"/>
+          <a:chOff x="0" y="0"/>
+          <a:chExt cx="0" cy="0"/>
+        </a:xfrm>
+      </p:grpSpPr>
+      <p:sp>
+        <p:nvSpPr>
+          <p:cNvPr id="2" name="Title 1">
+            <a:extLst>
+              <a:ext uri="{FF2B5EF4-FFF2-40B4-BE49-F238E27FC236}">
+                <a16:creationId xmlns:a16="http://schemas.microsoft.com/office/drawing/2014/main" id="{3BE2BDD9-7B90-4D12-AEE1-A979B75744EF}"/>
+              </a:ext>
+            </a:extLst>
+          </p:cNvPr>
+          <p:cNvSpPr>
+            <a:spLocks noGrp="1"/>
+          </p:cNvSpPr>
+          <p:nvPr>
+            <p:ph type="title"/>
+          </p:nvPr>
+        </p:nvSpPr>
+        <p:spPr/>
+        <p:txBody>
+          <a:bodyPr/>
+          <a:lstStyle/>
+          <a:p>
+            <a:r>
+              <a:rPr lang="en-US" dirty="0"/>
+              <a:t>Inference</a:t>
+            </a:r>
+          </a:p>
+        </p:txBody>
+      </p:sp>
+      <p:sp>
+        <p:nvSpPr>
+          <p:cNvPr id="3" name="Content Placeholder 2">
+            <a:extLst>
+              <a:ext uri="{FF2B5EF4-FFF2-40B4-BE49-F238E27FC236}">
+                <a16:creationId xmlns:a16="http://schemas.microsoft.com/office/drawing/2014/main" id="{526E6FCE-6D94-497D-A656-E180B74CA7D8}"/>
+              </a:ext>
+            </a:extLst>
+          </p:cNvPr>
+          <p:cNvSpPr>
+            <a:spLocks noGrp="1"/>
+          </p:cNvSpPr>
+          <p:nvPr>
+            <p:ph idx="1"/>
+          </p:nvPr>
+        </p:nvSpPr>
+        <p:spPr/>
+        <p:txBody>
+          <a:bodyPr vert="horz" lIns="91440" tIns="45720" rIns="91440" bIns="45720" rtlCol="0" anchor="t">
+            <a:normAutofit/>
+          </a:bodyPr>
+          <a:lstStyle/>
+          <a:p>
+            <a:r>
+              <a:rPr lang="en-US" sz="2400" dirty="0"/>
+              <a:t>Building on top of previous knowledge. Meaning that you want to build on top of state changes.    </a:t>
+            </a:r>
+            <a:endParaRPr lang="en-US" i="1" dirty="0"/>
+          </a:p>
+          <a:p>
+            <a:r>
+              <a:rPr lang="en-US" sz="2400" i="1" dirty="0"/>
+              <a:t>see example with false passport validation</a:t>
+            </a:r>
+            <a:endParaRPr lang="en-US" i="1"/>
+          </a:p>
+          <a:p>
+            <a:r>
+              <a:rPr lang="en-US" sz="2400" dirty="0"/>
+              <a:t>To be able to apply inference, use stateful sessions</a:t>
+            </a:r>
+          </a:p>
+          <a:p>
+            <a:endParaRPr lang="en-US" sz="2400" dirty="0"/>
+          </a:p>
+        </p:txBody>
+      </p:sp>
+    </p:spTree>
+    <p:extLst>
+      <p:ext uri="{BB962C8B-B14F-4D97-AF65-F5344CB8AC3E}">
+        <p14:creationId xmlns:p14="http://schemas.microsoft.com/office/powerpoint/2010/main" val="1855608132"/>
+      </p:ext>
+    </p:extLst>
+  </p:cSld>
+  <p:clrMapOvr>
+    <a:masterClrMapping/>
+  </p:clrMapOvr>
+</p:sld>
+</file>
+
+<file path=ppt/slides/slide18.xml><?xml version="1.0" encoding="utf-8"?>
+<p:sld xmlns:a="http://schemas.openxmlformats.org/drawingml/2006/main" xmlns:r="http://schemas.openxmlformats.org/officeDocument/2006/relationships" xmlns:p="http://schemas.openxmlformats.org/presentationml/2006/main">
+  <p:cSld>
+    <p:spTree>
+      <p:nvGrpSpPr>
+        <p:cNvPr id="1" name=""/>
+        <p:cNvGrpSpPr/>
+        <p:nvPr/>
+      </p:nvGrpSpPr>
+      <p:grpSpPr>
+        <a:xfrm>
+          <a:off x="0" y="0"/>
+          <a:ext cx="0" cy="0"/>
+          <a:chOff x="0" y="0"/>
+          <a:chExt cx="0" cy="0"/>
+        </a:xfrm>
+      </p:grpSpPr>
+      <p:sp>
+        <p:nvSpPr>
+          <p:cNvPr id="2" name="Title 1">
+            <a:extLst>
+              <a:ext uri="{FF2B5EF4-FFF2-40B4-BE49-F238E27FC236}">
+                <a16:creationId xmlns:a16="http://schemas.microsoft.com/office/drawing/2014/main" id="{B9E53131-7FE0-4A5A-A63E-7B0E9EF8BDEC}"/>
+              </a:ext>
+            </a:extLst>
+          </p:cNvPr>
+          <p:cNvSpPr>
+            <a:spLocks noGrp="1"/>
+          </p:cNvSpPr>
+          <p:nvPr>
+            <p:ph type="title"/>
+          </p:nvPr>
+        </p:nvSpPr>
+        <p:spPr/>
+        <p:txBody>
+          <a:bodyPr/>
+          <a:lstStyle/>
+          <a:p>
+            <a:r>
+              <a:rPr lang="en-US" dirty="0"/>
+              <a:t>Modify keyword &amp; dispose</a:t>
+            </a:r>
+          </a:p>
+        </p:txBody>
+      </p:sp>
+      <p:sp>
+        <p:nvSpPr>
+          <p:cNvPr id="3" name="Content Placeholder 2">
+            <a:extLst>
+              <a:ext uri="{FF2B5EF4-FFF2-40B4-BE49-F238E27FC236}">
+                <a16:creationId xmlns:a16="http://schemas.microsoft.com/office/drawing/2014/main" id="{2CE94897-5B8B-4A44-9311-6939C01A7DA5}"/>
+              </a:ext>
+            </a:extLst>
+          </p:cNvPr>
+          <p:cNvSpPr>
+            <a:spLocks noGrp="1"/>
+          </p:cNvSpPr>
+          <p:nvPr>
+            <p:ph idx="1"/>
+          </p:nvPr>
+        </p:nvSpPr>
+        <p:spPr/>
+        <p:txBody>
+          <a:bodyPr vert="horz" lIns="91440" tIns="45720" rIns="91440" bIns="45720" rtlCol="0" anchor="t">
+            <a:normAutofit/>
+          </a:bodyPr>
+          <a:lstStyle/>
+          <a:p>
+            <a:r>
+              <a:rPr lang="en-US" sz="2400" dirty="0">
+                <a:ea typeface="+mn-lt"/>
+                <a:cs typeface="+mn-lt"/>
+              </a:rPr>
+              <a:t>makes drools aware of state changes</a:t>
+            </a:r>
+          </a:p>
+          <a:p>
+            <a:r>
+              <a:rPr lang="en-US" sz="2400" dirty="0"/>
+              <a:t>Other rules are automatically re-checked</a:t>
+            </a:r>
+          </a:p>
+          <a:p>
+            <a:r>
+              <a:rPr lang="en-US" sz="2400" dirty="0"/>
+              <a:t>In body of modify you can run one or more methods</a:t>
+            </a:r>
+          </a:p>
+          <a:p>
+            <a:endParaRPr lang="en-US" sz="2400" dirty="0"/>
+          </a:p>
+          <a:p>
+            <a:r>
+              <a:rPr lang="en-US" sz="2400" dirty="0"/>
+              <a:t>Dispose() method frees memory after the end of a Session</a:t>
+            </a:r>
+          </a:p>
+        </p:txBody>
+      </p:sp>
+    </p:spTree>
+    <p:extLst>
+      <p:ext uri="{BB962C8B-B14F-4D97-AF65-F5344CB8AC3E}">
+        <p14:creationId xmlns:p14="http://schemas.microsoft.com/office/powerpoint/2010/main" val="1403226445"/>
+      </p:ext>
+    </p:extLst>
+  </p:cSld>
+  <p:clrMapOvr>
+    <a:masterClrMapping/>
+  </p:clrMapOvr>
+</p:sld>
+</file>
+
+<file path=ppt/slides/slide19.xml><?xml version="1.0" encoding="utf-8"?>
 <p:sld xmlns:a="http://schemas.openxmlformats.org/drawingml/2006/main" xmlns:r="http://schemas.openxmlformats.org/officeDocument/2006/relationships" xmlns:p="http://schemas.openxmlformats.org/presentationml/2006/main">
   <p:cSld>
     <p:spTree>
@@ -7686,6 +7914,105 @@
     <p:extLst>
       <p:ext uri="{BB962C8B-B14F-4D97-AF65-F5344CB8AC3E}">
         <p14:creationId xmlns:p14="http://schemas.microsoft.com/office/powerpoint/2010/main" val="2816136836"/>
+      </p:ext>
+    </p:extLst>
+  </p:cSld>
+  <p:clrMapOvr>
+    <a:masterClrMapping/>
+  </p:clrMapOvr>
+</p:sld>
+</file>
+
+<file path=ppt/slides/slide20.xml><?xml version="1.0" encoding="utf-8"?>
+<p:sld xmlns:a="http://schemas.openxmlformats.org/drawingml/2006/main" xmlns:r="http://schemas.openxmlformats.org/officeDocument/2006/relationships" xmlns:p="http://schemas.openxmlformats.org/presentationml/2006/main">
+  <p:cSld>
+    <p:spTree>
+      <p:nvGrpSpPr>
+        <p:cNvPr id="1" name=""/>
+        <p:cNvGrpSpPr/>
+        <p:nvPr/>
+      </p:nvGrpSpPr>
+      <p:grpSpPr>
+        <a:xfrm>
+          <a:off x="0" y="0"/>
+          <a:ext cx="0" cy="0"/>
+          <a:chOff x="0" y="0"/>
+          <a:chExt cx="0" cy="0"/>
+        </a:xfrm>
+      </p:grpSpPr>
+      <p:sp>
+        <p:nvSpPr>
+          <p:cNvPr id="2" name="Title 1">
+            <a:extLst>
+              <a:ext uri="{FF2B5EF4-FFF2-40B4-BE49-F238E27FC236}">
+                <a16:creationId xmlns:a16="http://schemas.microsoft.com/office/drawing/2014/main" id="{2B9F5BA6-BB3A-AD43-BFA9-02B55BF10F11}"/>
+              </a:ext>
+            </a:extLst>
+          </p:cNvPr>
+          <p:cNvSpPr>
+            <a:spLocks noGrp="1"/>
+          </p:cNvSpPr>
+          <p:nvPr>
+            <p:ph type="title"/>
+          </p:nvPr>
+        </p:nvSpPr>
+        <p:spPr/>
+        <p:txBody>
+          <a:bodyPr/>
+          <a:lstStyle/>
+          <a:p>
+            <a:r>
+              <a:rPr lang="de-DE" dirty="0" err="1"/>
+              <a:t>Exercise</a:t>
+            </a:r>
+            <a:endParaRPr lang="de-DE" dirty="0"/>
+          </a:p>
+        </p:txBody>
+      </p:sp>
+      <p:sp>
+        <p:nvSpPr>
+          <p:cNvPr id="3" name="Content Placeholder 2">
+            <a:extLst>
+              <a:ext uri="{FF2B5EF4-FFF2-40B4-BE49-F238E27FC236}">
+                <a16:creationId xmlns:a16="http://schemas.microsoft.com/office/drawing/2014/main" id="{D3699084-75EA-FC4A-8522-220ED29CB272}"/>
+              </a:ext>
+            </a:extLst>
+          </p:cNvPr>
+          <p:cNvSpPr>
+            <a:spLocks noGrp="1"/>
+          </p:cNvSpPr>
+          <p:nvPr>
+            <p:ph idx="1"/>
+          </p:nvPr>
+        </p:nvSpPr>
+        <p:spPr/>
+        <p:txBody>
+          <a:bodyPr/>
+          <a:lstStyle/>
+          <a:p>
+            <a:r>
+              <a:rPr lang="de-DE" dirty="0" err="1"/>
+              <a:t>Section</a:t>
+            </a:r>
+            <a:r>
+              <a:rPr lang="de-DE" dirty="0"/>
+              <a:t> 5, </a:t>
+            </a:r>
+            <a:r>
+              <a:rPr lang="de-DE" dirty="0" err="1"/>
+              <a:t>step</a:t>
+            </a:r>
+            <a:r>
+              <a:rPr lang="de-DE" dirty="0"/>
+              <a:t> 1</a:t>
+            </a:r>
+          </a:p>
+        </p:txBody>
+      </p:sp>
+    </p:spTree>
+    <p:extLst>
+      <p:ext uri="{BB962C8B-B14F-4D97-AF65-F5344CB8AC3E}">
+        <p14:creationId xmlns:p14="http://schemas.microsoft.com/office/powerpoint/2010/main" val="1706260889"/>
       </p:ext>
     </p:extLst>
   </p:cSld>
@@ -8984,97 +9311,200 @@
         <p:spPr/>
         <p:txBody>
           <a:bodyPr vert="horz" lIns="91440" tIns="45720" rIns="91440" bIns="45720" rtlCol="0" anchor="t">
-            <a:normAutofit/>
+            <a:normAutofit lnSpcReduction="10000"/>
           </a:bodyPr>
           <a:lstStyle/>
           <a:p>
             <a:r>
-              <a:rPr lang="en-US">
+              <a:rPr lang="en-US" dirty="0">
                 <a:ea typeface="+mn-lt"/>
                 <a:cs typeface="+mn-lt"/>
               </a:rPr>
-              <a:t>-$p: variable. Uses Passport.toString() in S.out.p. method</a:t>
-            </a:r>
+              <a:t>-$p: variable. Uses </a:t>
+            </a:r>
+            <a:r>
+              <a:rPr lang="en-US" dirty="0" err="1">
+                <a:ea typeface="+mn-lt"/>
+                <a:cs typeface="+mn-lt"/>
+              </a:rPr>
+              <a:t>Passport.toString</a:t>
+            </a:r>
+            <a:r>
+              <a:rPr lang="en-US" dirty="0">
+                <a:ea typeface="+mn-lt"/>
+                <a:cs typeface="+mn-lt"/>
+              </a:rPr>
+              <a:t>() in </a:t>
+            </a:r>
+            <a:r>
+              <a:rPr lang="en-US" dirty="0" err="1">
+                <a:ea typeface="+mn-lt"/>
+                <a:cs typeface="+mn-lt"/>
+              </a:rPr>
+              <a:t>S.out.p</a:t>
+            </a:r>
+            <a:r>
+              <a:rPr lang="en-US" dirty="0">
+                <a:ea typeface="+mn-lt"/>
+                <a:cs typeface="+mn-lt"/>
+              </a:rPr>
+              <a:t>. method</a:t>
+            </a:r>
+          </a:p>
+          <a:p>
+            <a:r>
+              <a:rPr lang="en-US" dirty="0">
+                <a:ea typeface="+mn-lt"/>
+                <a:cs typeface="+mn-lt"/>
+              </a:rPr>
+              <a:t>, and || or</a:t>
+            </a:r>
+          </a:p>
+          <a:p>
             <a:endParaRPr lang="en-US" dirty="0">
               <a:ea typeface="+mn-lt"/>
               <a:cs typeface="+mn-lt"/>
             </a:endParaRPr>
           </a:p>
           <a:p>
-            <a:endParaRPr lang="en-US" dirty="0">
-              <a:ea typeface="+mn-lt"/>
-              <a:cs typeface="+mn-lt"/>
-            </a:endParaRPr>
-          </a:p>
-          <a:p>
-            <a:r>
-              <a:rPr lang="en-US">
+            <a:r>
+              <a:rPr lang="en-US" dirty="0">
                 <a:ea typeface="+mn-lt"/>
                 <a:cs typeface="+mn-lt"/>
               </a:rPr>
               <a:t>rule "Valid passport"</a:t>
             </a:r>
-            <a:endParaRPr lang="en-US"/>
-          </a:p>
-          <a:p>
-            <a:r>
-              <a:rPr lang="en-US">
+            <a:endParaRPr lang="en-US" dirty="0"/>
+          </a:p>
+          <a:p>
+            <a:r>
+              <a:rPr lang="en-US" dirty="0">
                 <a:ea typeface="+mn-lt"/>
                 <a:cs typeface="+mn-lt"/>
               </a:rPr>
-              <a:t>  dialect "mvel"</a:t>
-            </a:r>
-            <a:endParaRPr lang="en-US"/>
-          </a:p>
-          <a:p>
-            <a:r>
-              <a:rPr lang="en-US">
+              <a:t>  dialect "</a:t>
+            </a:r>
+            <a:r>
+              <a:rPr lang="en-US" dirty="0" err="1">
+                <a:ea typeface="+mn-lt"/>
+                <a:cs typeface="+mn-lt"/>
+              </a:rPr>
+              <a:t>mvel</a:t>
+            </a:r>
+            <a:r>
+              <a:rPr lang="en-US" dirty="0">
+                <a:ea typeface="+mn-lt"/>
+                <a:cs typeface="+mn-lt"/>
+              </a:rPr>
+              <a:t>"</a:t>
+            </a:r>
+            <a:endParaRPr lang="en-US" dirty="0"/>
+          </a:p>
+          <a:p>
+            <a:r>
+              <a:rPr lang="en-US" dirty="0">
                 <a:ea typeface="+mn-lt"/>
                 <a:cs typeface="+mn-lt"/>
               </a:rPr>
               <a:t>  when</a:t>
             </a:r>
-            <a:endParaRPr lang="en-US"/>
-          </a:p>
-          <a:p>
-            <a:r>
-              <a:rPr lang="en-US">
+            <a:endParaRPr lang="en-US" dirty="0"/>
+          </a:p>
+          <a:p>
+            <a:r>
+              <a:rPr lang="en-US" dirty="0">
                 <a:ea typeface="+mn-lt"/>
                 <a:cs typeface="+mn-lt"/>
               </a:rPr>
-              <a:t>    $p : Passport( !isExpired(), unusedVisaPages &gt; 0 )</a:t>
-            </a:r>
-            <a:endParaRPr lang="en-US"/>
-          </a:p>
-          <a:p>
-            <a:r>
-              <a:rPr lang="en-US">
+              <a:t>    $p : Passport( !</a:t>
+            </a:r>
+            <a:r>
+              <a:rPr lang="en-US" dirty="0" err="1">
+                <a:ea typeface="+mn-lt"/>
+                <a:cs typeface="+mn-lt"/>
+              </a:rPr>
+              <a:t>isExpired</a:t>
+            </a:r>
+            <a:r>
+              <a:rPr lang="en-US" dirty="0">
+                <a:ea typeface="+mn-lt"/>
+                <a:cs typeface="+mn-lt"/>
+              </a:rPr>
+              <a:t>(), </a:t>
+            </a:r>
+            <a:r>
+              <a:rPr lang="en-US" dirty="0" err="1">
+                <a:ea typeface="+mn-lt"/>
+                <a:cs typeface="+mn-lt"/>
+              </a:rPr>
+              <a:t>unusedVisaPages</a:t>
+            </a:r>
+            <a:r>
+              <a:rPr lang="en-US" dirty="0">
+                <a:ea typeface="+mn-lt"/>
+                <a:cs typeface="+mn-lt"/>
+              </a:rPr>
+              <a:t> &gt; 0 )</a:t>
+            </a:r>
+            <a:endParaRPr lang="en-US" dirty="0"/>
+          </a:p>
+          <a:p>
+            <a:r>
+              <a:rPr lang="en-US" dirty="0">
                 <a:ea typeface="+mn-lt"/>
                 <a:cs typeface="+mn-lt"/>
               </a:rPr>
               <a:t>  then</a:t>
             </a:r>
-            <a:endParaRPr lang="en-US"/>
-          </a:p>
-          <a:p>
-            <a:r>
-              <a:rPr lang="en-US">
+            <a:endParaRPr lang="en-US" dirty="0"/>
+          </a:p>
+          <a:p>
+            <a:r>
+              <a:rPr lang="en-US" dirty="0">
                 <a:ea typeface="+mn-lt"/>
                 <a:cs typeface="+mn-lt"/>
               </a:rPr>
-              <a:t>    System.out.println($p+"This passport is CORRECT");</a:t>
-            </a:r>
-            <a:endParaRPr lang="en-US"/>
-          </a:p>
-          <a:p>
-            <a:r>
-              <a:rPr lang="en-US">
+              <a:t>    </a:t>
+            </a:r>
+            <a:r>
+              <a:rPr lang="en-US" dirty="0" err="1">
+                <a:ea typeface="+mn-lt"/>
+                <a:cs typeface="+mn-lt"/>
+              </a:rPr>
+              <a:t>System.out.println</a:t>
+            </a:r>
+            <a:r>
+              <a:rPr lang="en-US" dirty="0">
+                <a:ea typeface="+mn-lt"/>
+                <a:cs typeface="+mn-lt"/>
+              </a:rPr>
+              <a:t>($</a:t>
+            </a:r>
+            <a:r>
+              <a:rPr lang="en-US" dirty="0" err="1">
+                <a:ea typeface="+mn-lt"/>
+                <a:cs typeface="+mn-lt"/>
+              </a:rPr>
+              <a:t>p+"This</a:t>
+            </a:r>
+            <a:r>
+              <a:rPr lang="en-US" dirty="0">
+                <a:ea typeface="+mn-lt"/>
+                <a:cs typeface="+mn-lt"/>
+              </a:rPr>
+              <a:t> passport is CORRECT");</a:t>
+            </a:r>
+            <a:endParaRPr lang="en-US" dirty="0"/>
+          </a:p>
+          <a:p>
+            <a:r>
+              <a:rPr lang="en-US" dirty="0">
                 <a:ea typeface="+mn-lt"/>
                 <a:cs typeface="+mn-lt"/>
               </a:rPr>
               <a:t>end</a:t>
             </a:r>
-            <a:endParaRPr lang="en-US"/>
+            <a:endParaRPr lang="en-US" dirty="0"/>
           </a:p>
         </p:txBody>
       </p:sp>

--- a/Presentation.pptx
+++ b/Presentation.pptx
@@ -1138,7 +1138,7 @@
             <a:fld id="{B61BEF0D-F0BB-DE4B-95CE-6DB70DBA9567}" type="datetimeFigureOut">
               <a:rPr lang="en-US" dirty="0"/>
               <a:pPr/>
-              <a:t>11/15/19</a:t>
+              <a:t>11/20/19</a:t>
             </a:fld>
             <a:endParaRPr lang="en-US" dirty="0"/>
           </a:p>
@@ -1390,7 +1390,7 @@
             <a:fld id="{B61BEF0D-F0BB-DE4B-95CE-6DB70DBA9567}" type="datetimeFigureOut">
               <a:rPr lang="en-US" dirty="0"/>
               <a:pPr/>
-              <a:t>11/15/19</a:t>
+              <a:t>11/20/19</a:t>
             </a:fld>
             <a:endParaRPr lang="en-US" dirty="0"/>
           </a:p>
@@ -1705,7 +1705,7 @@
             <a:fld id="{B61BEF0D-F0BB-DE4B-95CE-6DB70DBA9567}" type="datetimeFigureOut">
               <a:rPr lang="en-US" dirty="0"/>
               <a:pPr/>
-              <a:t>11/15/19</a:t>
+              <a:t>11/20/19</a:t>
             </a:fld>
             <a:endParaRPr lang="en-US" dirty="0"/>
           </a:p>
@@ -2039,7 +2039,7 @@
             <a:fld id="{B61BEF0D-F0BB-DE4B-95CE-6DB70DBA9567}" type="datetimeFigureOut">
               <a:rPr lang="en-US" dirty="0"/>
               <a:pPr/>
-              <a:t>11/15/19</a:t>
+              <a:t>11/20/19</a:t>
             </a:fld>
             <a:endParaRPr lang="en-US" dirty="0"/>
           </a:p>
@@ -2354,7 +2354,7 @@
             <a:fld id="{B61BEF0D-F0BB-DE4B-95CE-6DB70DBA9567}" type="datetimeFigureOut">
               <a:rPr lang="en-US" dirty="0"/>
               <a:pPr/>
-              <a:t>11/15/19</a:t>
+              <a:t>11/20/19</a:t>
             </a:fld>
             <a:endParaRPr lang="en-US" dirty="0"/>
           </a:p>
@@ -2748,7 +2748,7 @@
             <a:fld id="{B61BEF0D-F0BB-DE4B-95CE-6DB70DBA9567}" type="datetimeFigureOut">
               <a:rPr lang="en-US" dirty="0"/>
               <a:pPr/>
-              <a:t>11/15/19</a:t>
+              <a:t>11/20/19</a:t>
             </a:fld>
             <a:endParaRPr lang="en-US" dirty="0"/>
           </a:p>
@@ -2917,7 +2917,7 @@
           <a:p>
             <a:fld id="{55C6B4A9-1611-4792-9094-5F34BCA07E0B}" type="datetimeFigureOut">
               <a:rPr lang="en-US" dirty="0"/>
-              <a:t>11/15/19</a:t>
+              <a:t>11/20/19</a:t>
             </a:fld>
             <a:endParaRPr lang="en-US" dirty="0"/>
           </a:p>
@@ -3096,7 +3096,7 @@
             <a:fld id="{B61BEF0D-F0BB-DE4B-95CE-6DB70DBA9567}" type="datetimeFigureOut">
               <a:rPr lang="en-US" dirty="0"/>
               <a:pPr/>
-              <a:t>11/15/19</a:t>
+              <a:t>11/20/19</a:t>
             </a:fld>
             <a:endParaRPr lang="en-US" dirty="0"/>
           </a:p>
@@ -3265,7 +3265,7 @@
           <a:p>
             <a:fld id="{42A54C80-263E-416B-A8E0-580EDEADCBDC}" type="datetimeFigureOut">
               <a:rPr lang="en-US" dirty="0"/>
-              <a:t>11/15/19</a:t>
+              <a:t>11/20/19</a:t>
             </a:fld>
             <a:endParaRPr lang="en-US" dirty="0"/>
           </a:p>
@@ -3512,7 +3512,7 @@
             <a:fld id="{B61BEF0D-F0BB-DE4B-95CE-6DB70DBA9567}" type="datetimeFigureOut">
               <a:rPr lang="en-US" dirty="0"/>
               <a:pPr/>
-              <a:t>11/15/19</a:t>
+              <a:t>11/20/19</a:t>
             </a:fld>
             <a:endParaRPr lang="en-US" dirty="0"/>
           </a:p>
@@ -3742,7 +3742,7 @@
           <a:p>
             <a:fld id="{42A54C80-263E-416B-A8E0-580EDEADCBDC}" type="datetimeFigureOut">
               <a:rPr lang="en-US" dirty="0"/>
-              <a:t>11/15/19</a:t>
+              <a:t>11/20/19</a:t>
             </a:fld>
             <a:endParaRPr lang="en-US" dirty="0"/>
           </a:p>
@@ -4114,7 +4114,7 @@
             <a:fld id="{B61BEF0D-F0BB-DE4B-95CE-6DB70DBA9567}" type="datetimeFigureOut">
               <a:rPr lang="en-US" dirty="0"/>
               <a:pPr/>
-              <a:t>11/15/19</a:t>
+              <a:t>11/20/19</a:t>
             </a:fld>
             <a:endParaRPr lang="en-US" dirty="0"/>
           </a:p>
@@ -4238,7 +4238,7 @@
             <a:fld id="{B61BEF0D-F0BB-DE4B-95CE-6DB70DBA9567}" type="datetimeFigureOut">
               <a:rPr lang="en-US" dirty="0"/>
               <a:pPr/>
-              <a:t>11/15/19</a:t>
+              <a:t>11/20/19</a:t>
             </a:fld>
             <a:endParaRPr lang="en-US" dirty="0"/>
           </a:p>
@@ -4335,7 +4335,7 @@
             <a:fld id="{B61BEF0D-F0BB-DE4B-95CE-6DB70DBA9567}" type="datetimeFigureOut">
               <a:rPr lang="en-US" dirty="0"/>
               <a:pPr/>
-              <a:t>11/15/19</a:t>
+              <a:t>11/20/19</a:t>
             </a:fld>
             <a:endParaRPr lang="en-US" dirty="0"/>
           </a:p>
@@ -4589,7 +4589,7 @@
           <a:p>
             <a:fld id="{42A54C80-263E-416B-A8E0-580EDEADCBDC}" type="datetimeFigureOut">
               <a:rPr lang="en-US" dirty="0"/>
-              <a:t>11/15/19</a:t>
+              <a:t>11/20/19</a:t>
             </a:fld>
             <a:endParaRPr lang="en-US" dirty="0"/>
           </a:p>
@@ -4891,7 +4891,7 @@
             <a:fld id="{B61BEF0D-F0BB-DE4B-95CE-6DB70DBA9567}" type="datetimeFigureOut">
               <a:rPr lang="en-US" dirty="0"/>
               <a:pPr/>
-              <a:t>11/15/19</a:t>
+              <a:t>11/20/19</a:t>
             </a:fld>
             <a:endParaRPr lang="en-US" dirty="0"/>
           </a:p>
@@ -5592,7 +5592,7 @@
             <a:fld id="{B61BEF0D-F0BB-DE4B-95CE-6DB70DBA9567}" type="datetimeFigureOut">
               <a:rPr lang="en-US" dirty="0"/>
               <a:pPr/>
-              <a:t>11/15/19</a:t>
+              <a:t>11/20/19</a:t>
             </a:fld>
             <a:endParaRPr lang="en-US" dirty="0"/>
           </a:p>
@@ -7996,7 +7996,7 @@
             </a:r>
             <a:r>
               <a:rPr lang="de-DE" dirty="0"/>
-              <a:t> 5, </a:t>
+              <a:t> 4, </a:t>
             </a:r>
             <a:r>
               <a:rPr lang="de-DE" dirty="0" err="1"/>
@@ -8004,8 +8004,33 @@
             </a:r>
             <a:r>
               <a:rPr lang="de-DE" dirty="0"/>
+              <a:t> 2 </a:t>
+            </a:r>
+            <a:r>
+              <a:rPr lang="de-DE" dirty="0" err="1"/>
+              <a:t>and</a:t>
+            </a:r>
+            <a:r>
+              <a:rPr lang="de-DE" dirty="0"/>
+              <a:t> </a:t>
+            </a:r>
+            <a:r>
+              <a:rPr lang="de-DE" dirty="0" err="1"/>
+              <a:t>Section</a:t>
+            </a:r>
+            <a:r>
+              <a:rPr lang="de-DE" dirty="0"/>
+              <a:t> 5, </a:t>
+            </a:r>
+            <a:r>
+              <a:rPr lang="de-DE" dirty="0" err="1"/>
+              <a:t>step</a:t>
+            </a:r>
+            <a:r>
+              <a:rPr lang="de-DE"/>
               <a:t> 1</a:t>
             </a:r>
+            <a:endParaRPr lang="de-DE" dirty="0"/>
           </a:p>
         </p:txBody>
       </p:sp>
